--- a/ShoppingCartDocumentation.pptx
+++ b/ShoppingCartDocumentation.pptx
@@ -14,7 +14,15 @@
     <p:sldId id="262" r:id="rId8"/>
     <p:sldId id="263" r:id="rId9"/>
     <p:sldId id="264" r:id="rId10"/>
-    <p:sldId id="265" r:id="rId11"/>
+    <p:sldId id="266" r:id="rId11"/>
+    <p:sldId id="267" r:id="rId12"/>
+    <p:sldId id="268" r:id="rId13"/>
+    <p:sldId id="269" r:id="rId14"/>
+    <p:sldId id="270" r:id="rId15"/>
+    <p:sldId id="271" r:id="rId16"/>
+    <p:sldId id="272" r:id="rId17"/>
+    <p:sldId id="273" r:id="rId18"/>
+    <p:sldId id="265" r:id="rId19"/>
   </p:sldIdLst>
   <p:sldSz cx="12192000" cy="6858000"/>
   <p:notesSz cx="6858000" cy="9144000"/>
@@ -113,6 +121,11 @@
       </a:defRPr>
     </a:lvl9pPr>
   </p:defaultTextStyle>
+  <p:extLst>
+    <p:ext uri="{EFAFB233-063F-42B5-8137-9DF3F51BA10A}">
+      <p15:sldGuideLst xmlns:p15="http://schemas.microsoft.com/office/powerpoint/2012/main"/>
+    </p:ext>
+  </p:extLst>
 </p:presentation>
 </file>
 
@@ -839,7 +852,7 @@
             <a:fld id="{B61BEF0D-F0BB-DE4B-95CE-6DB70DBA9567}" type="datetimeFigureOut">
               <a:rPr lang="en-US" dirty="0"/>
               <a:pPr/>
-              <a:t>4/20/2020</a:t>
+              <a:t>4/21/2020</a:t>
             </a:fld>
             <a:endParaRPr lang="en-US" dirty="0"/>
           </a:p>
@@ -1087,7 +1100,7 @@
             <a:fld id="{B61BEF0D-F0BB-DE4B-95CE-6DB70DBA9567}" type="datetimeFigureOut">
               <a:rPr lang="en-US" dirty="0"/>
               <a:pPr/>
-              <a:t>4/20/2020</a:t>
+              <a:t>4/21/2020</a:t>
             </a:fld>
             <a:endParaRPr lang="en-US" dirty="0"/>
           </a:p>
@@ -1398,7 +1411,7 @@
             <a:fld id="{B61BEF0D-F0BB-DE4B-95CE-6DB70DBA9567}" type="datetimeFigureOut">
               <a:rPr lang="en-US" dirty="0"/>
               <a:pPr/>
-              <a:t>4/20/2020</a:t>
+              <a:t>4/21/2020</a:t>
             </a:fld>
             <a:endParaRPr lang="en-US" dirty="0"/>
           </a:p>
@@ -1736,7 +1749,7 @@
             <a:fld id="{B61BEF0D-F0BB-DE4B-95CE-6DB70DBA9567}" type="datetimeFigureOut">
               <a:rPr lang="en-US" dirty="0"/>
               <a:pPr/>
-              <a:t>4/20/2020</a:t>
+              <a:t>4/21/2020</a:t>
             </a:fld>
             <a:endParaRPr lang="en-US" dirty="0"/>
           </a:p>
@@ -2047,7 +2060,7 @@
             <a:fld id="{B61BEF0D-F0BB-DE4B-95CE-6DB70DBA9567}" type="datetimeFigureOut">
               <a:rPr lang="en-US" dirty="0"/>
               <a:pPr/>
-              <a:t>4/20/2020</a:t>
+              <a:t>4/21/2020</a:t>
             </a:fld>
             <a:endParaRPr lang="en-US" dirty="0"/>
           </a:p>
@@ -2437,7 +2450,7 @@
             <a:fld id="{B61BEF0D-F0BB-DE4B-95CE-6DB70DBA9567}" type="datetimeFigureOut">
               <a:rPr lang="en-US" dirty="0"/>
               <a:pPr/>
-              <a:t>4/20/2020</a:t>
+              <a:t>4/21/2020</a:t>
             </a:fld>
             <a:endParaRPr lang="en-US" dirty="0"/>
           </a:p>
@@ -2603,7 +2616,7 @@
           <a:p>
             <a:fld id="{55C6B4A9-1611-4792-9094-5F34BCA07E0B}" type="datetimeFigureOut">
               <a:rPr lang="en-US" dirty="0"/>
-              <a:t>4/20/2020</a:t>
+              <a:t>4/21/2020</a:t>
             </a:fld>
             <a:endParaRPr lang="en-US" dirty="0"/>
           </a:p>
@@ -2779,7 +2792,7 @@
             <a:fld id="{B61BEF0D-F0BB-DE4B-95CE-6DB70DBA9567}" type="datetimeFigureOut">
               <a:rPr lang="en-US" dirty="0"/>
               <a:pPr/>
-              <a:t>4/20/2020</a:t>
+              <a:t>4/21/2020</a:t>
             </a:fld>
             <a:endParaRPr lang="en-US" dirty="0"/>
           </a:p>
@@ -2952,7 +2965,7 @@
             <a:fld id="{B61BEF0D-F0BB-DE4B-95CE-6DB70DBA9567}" type="datetimeFigureOut">
               <a:rPr lang="en-US" dirty="0"/>
               <a:pPr/>
-              <a:t>4/20/2020</a:t>
+              <a:t>4/21/2020</a:t>
             </a:fld>
             <a:endParaRPr lang="en-US" dirty="0"/>
           </a:p>
@@ -3196,7 +3209,7 @@
             <a:fld id="{B61BEF0D-F0BB-DE4B-95CE-6DB70DBA9567}" type="datetimeFigureOut">
               <a:rPr lang="en-US" dirty="0"/>
               <a:pPr/>
-              <a:t>4/20/2020</a:t>
+              <a:t>4/21/2020</a:t>
             </a:fld>
             <a:endParaRPr lang="en-US" dirty="0"/>
           </a:p>
@@ -3424,7 +3437,7 @@
           <a:p>
             <a:fld id="{EB712588-04B1-427B-82EE-E8DB90309F08}" type="datetimeFigureOut">
               <a:rPr lang="en-US" dirty="0"/>
-              <a:t>4/20/2020</a:t>
+              <a:t>4/21/2020</a:t>
             </a:fld>
             <a:endParaRPr lang="en-US" dirty="0"/>
           </a:p>
@@ -3794,7 +3807,7 @@
             <a:fld id="{B61BEF0D-F0BB-DE4B-95CE-6DB70DBA9567}" type="datetimeFigureOut">
               <a:rPr lang="en-US" dirty="0"/>
               <a:pPr/>
-              <a:t>4/20/2020</a:t>
+              <a:t>4/21/2020</a:t>
             </a:fld>
             <a:endParaRPr lang="en-US" dirty="0"/>
           </a:p>
@@ -3914,7 +3927,7 @@
             <a:fld id="{B61BEF0D-F0BB-DE4B-95CE-6DB70DBA9567}" type="datetimeFigureOut">
               <a:rPr lang="en-US" dirty="0"/>
               <a:pPr/>
-              <a:t>4/20/2020</a:t>
+              <a:t>4/21/2020</a:t>
             </a:fld>
             <a:endParaRPr lang="en-US" dirty="0"/>
           </a:p>
@@ -4006,7 +4019,7 @@
             <a:fld id="{B61BEF0D-F0BB-DE4B-95CE-6DB70DBA9567}" type="datetimeFigureOut">
               <a:rPr lang="en-US" dirty="0"/>
               <a:pPr/>
-              <a:t>4/20/2020</a:t>
+              <a:t>4/21/2020</a:t>
             </a:fld>
             <a:endParaRPr lang="en-US" dirty="0"/>
           </a:p>
@@ -4257,7 +4270,7 @@
           <a:p>
             <a:fld id="{42A54C80-263E-416B-A8E0-580EDEADCBDC}" type="datetimeFigureOut">
               <a:rPr lang="en-US" dirty="0"/>
-              <a:t>4/20/2020</a:t>
+              <a:t>4/21/2020</a:t>
             </a:fld>
             <a:endParaRPr lang="en-US" dirty="0"/>
           </a:p>
@@ -4516,7 +4529,7 @@
             <a:fld id="{B61BEF0D-F0BB-DE4B-95CE-6DB70DBA9567}" type="datetimeFigureOut">
               <a:rPr lang="en-US" dirty="0"/>
               <a:pPr/>
-              <a:t>4/20/2020</a:t>
+              <a:t>4/21/2020</a:t>
             </a:fld>
             <a:endParaRPr lang="en-US" dirty="0"/>
           </a:p>
@@ -5256,7 +5269,7 @@
             <a:fld id="{B61BEF0D-F0BB-DE4B-95CE-6DB70DBA9567}" type="datetimeFigureOut">
               <a:rPr lang="en-US" dirty="0"/>
               <a:pPr/>
-              <a:t>4/20/2020</a:t>
+              <a:t>4/21/2020</a:t>
             </a:fld>
             <a:endParaRPr lang="en-US" dirty="0"/>
           </a:p>
@@ -5836,7 +5849,14 @@
           <a:bodyPr/>
           <a:lstStyle/>
           <a:p>
-            <a:endParaRPr lang="en-IN"/>
+            <a:r>
+              <a:rPr lang="en-IN" dirty="0"/>
+              <a:t>- Harish </a:t>
+            </a:r>
+            <a:r>
+              <a:rPr lang="en-IN"/>
+              <a:t>Sivaprakash</a:t>
+            </a:r>
           </a:p>
         </p:txBody>
       </p:sp>
@@ -5854,6 +5874,2974 @@
 </file>
 
 <file path=ppt/slides/slide10.xml><?xml version="1.0" encoding="utf-8"?>
+<p:sld xmlns:a="http://schemas.openxmlformats.org/drawingml/2006/main" xmlns:r="http://schemas.openxmlformats.org/officeDocument/2006/relationships" xmlns:p="http://schemas.openxmlformats.org/presentationml/2006/main">
+  <p:cSld>
+    <p:spTree>
+      <p:nvGrpSpPr>
+        <p:cNvPr id="1" name=""/>
+        <p:cNvGrpSpPr/>
+        <p:nvPr/>
+      </p:nvGrpSpPr>
+      <p:grpSpPr>
+        <a:xfrm>
+          <a:off x="0" y="0"/>
+          <a:ext cx="0" cy="0"/>
+          <a:chOff x="0" y="0"/>
+          <a:chExt cx="0" cy="0"/>
+        </a:xfrm>
+      </p:grpSpPr>
+      <p:sp>
+        <p:nvSpPr>
+          <p:cNvPr id="2" name="Title 1">
+            <a:extLst>
+              <a:ext uri="{FF2B5EF4-FFF2-40B4-BE49-F238E27FC236}">
+                <a16:creationId xmlns:a16="http://schemas.microsoft.com/office/drawing/2014/main" id="{AF688812-766D-413D-95A6-722E0431BA4A}"/>
+              </a:ext>
+            </a:extLst>
+          </p:cNvPr>
+          <p:cNvSpPr>
+            <a:spLocks noGrp="1"/>
+          </p:cNvSpPr>
+          <p:nvPr>
+            <p:ph type="title"/>
+          </p:nvPr>
+        </p:nvSpPr>
+        <p:spPr/>
+        <p:txBody>
+          <a:bodyPr/>
+          <a:lstStyle/>
+          <a:p>
+            <a:r>
+              <a:rPr lang="en-IN" dirty="0"/>
+              <a:t>Controller	</a:t>
+            </a:r>
+          </a:p>
+        </p:txBody>
+      </p:sp>
+      <p:sp>
+        <p:nvSpPr>
+          <p:cNvPr id="3" name="Content Placeholder 2">
+            <a:extLst>
+              <a:ext uri="{FF2B5EF4-FFF2-40B4-BE49-F238E27FC236}">
+                <a16:creationId xmlns:a16="http://schemas.microsoft.com/office/drawing/2014/main" id="{2A1280C8-5184-427E-9348-98C98855DB07}"/>
+              </a:ext>
+            </a:extLst>
+          </p:cNvPr>
+          <p:cNvSpPr>
+            <a:spLocks noGrp="1"/>
+          </p:cNvSpPr>
+          <p:nvPr>
+            <p:ph idx="1"/>
+          </p:nvPr>
+        </p:nvSpPr>
+        <p:spPr>
+          <a:xfrm>
+            <a:off x="677334" y="1247775"/>
+            <a:ext cx="8596668" cy="4793587"/>
+          </a:xfrm>
+        </p:spPr>
+        <p:txBody>
+          <a:bodyPr>
+            <a:noAutofit/>
+          </a:bodyPr>
+          <a:lstStyle/>
+          <a:p>
+            <a:pPr marL="0" indent="0">
+              <a:buNone/>
+            </a:pPr>
+            <a:r>
+              <a:rPr lang="en-IN" sz="1500" dirty="0"/>
+              <a:t>package </a:t>
+            </a:r>
+            <a:r>
+              <a:rPr lang="en-IN" sz="1500" dirty="0" err="1"/>
+              <a:t>shoppingcart.controller</a:t>
+            </a:r>
+            <a:r>
+              <a:rPr lang="en-IN" sz="1500" dirty="0"/>
+              <a:t>;</a:t>
+            </a:r>
+          </a:p>
+          <a:p>
+            <a:pPr marL="0" indent="0">
+              <a:buNone/>
+            </a:pPr>
+            <a:r>
+              <a:rPr lang="en-IN" sz="1500" dirty="0"/>
+              <a:t>@</a:t>
+            </a:r>
+            <a:r>
+              <a:rPr lang="en-IN" sz="1500" dirty="0" err="1"/>
+              <a:t>CrossOrigin</a:t>
+            </a:r>
+            <a:r>
+              <a:rPr lang="en-IN" sz="1500" dirty="0"/>
+              <a:t>(origins = "*", </a:t>
+            </a:r>
+            <a:r>
+              <a:rPr lang="en-IN" sz="1500" dirty="0" err="1"/>
+              <a:t>allowedHeaders</a:t>
+            </a:r>
+            <a:r>
+              <a:rPr lang="en-IN" sz="1500" dirty="0"/>
+              <a:t> = "*")</a:t>
+            </a:r>
+          </a:p>
+          <a:p>
+            <a:pPr marL="0" indent="0">
+              <a:buNone/>
+            </a:pPr>
+            <a:r>
+              <a:rPr lang="en-IN" sz="1500" dirty="0"/>
+              <a:t>@</a:t>
+            </a:r>
+            <a:r>
+              <a:rPr lang="en-IN" sz="1500" dirty="0" err="1"/>
+              <a:t>RestController</a:t>
+            </a:r>
+            <a:endParaRPr lang="en-IN" sz="1500" dirty="0"/>
+          </a:p>
+          <a:p>
+            <a:pPr marL="0" indent="0">
+              <a:buNone/>
+            </a:pPr>
+            <a:r>
+              <a:rPr lang="en-IN" sz="1500" dirty="0"/>
+              <a:t>@</a:t>
+            </a:r>
+            <a:r>
+              <a:rPr lang="en-IN" sz="1500" dirty="0" err="1"/>
+              <a:t>RequestMapping</a:t>
+            </a:r>
+            <a:r>
+              <a:rPr lang="en-IN" sz="1500" dirty="0"/>
+              <a:t>(value = "/cart")</a:t>
+            </a:r>
+          </a:p>
+          <a:p>
+            <a:pPr marL="0" indent="0">
+              <a:buNone/>
+            </a:pPr>
+            <a:r>
+              <a:rPr lang="en-IN" sz="1500" dirty="0"/>
+              <a:t>public class </a:t>
+            </a:r>
+            <a:r>
+              <a:rPr lang="en-IN" sz="1500" dirty="0" err="1"/>
+              <a:t>CartController</a:t>
+            </a:r>
+            <a:r>
+              <a:rPr lang="en-IN" sz="1500" dirty="0"/>
+              <a:t> {</a:t>
+            </a:r>
+          </a:p>
+          <a:p>
+            <a:pPr marL="0" indent="0">
+              <a:buNone/>
+            </a:pPr>
+            <a:endParaRPr lang="en-IN" sz="1500" dirty="0"/>
+          </a:p>
+          <a:p>
+            <a:pPr marL="0" indent="0">
+              <a:buNone/>
+            </a:pPr>
+            <a:r>
+              <a:rPr lang="en-IN" sz="1500" dirty="0"/>
+              <a:t>	@</a:t>
+            </a:r>
+            <a:r>
+              <a:rPr lang="en-IN" sz="1500" dirty="0" err="1"/>
+              <a:t>Autowired</a:t>
+            </a:r>
+            <a:endParaRPr lang="en-IN" sz="1500" dirty="0"/>
+          </a:p>
+          <a:p>
+            <a:pPr marL="0" indent="0">
+              <a:buNone/>
+            </a:pPr>
+            <a:r>
+              <a:rPr lang="en-IN" sz="1500" dirty="0"/>
+              <a:t>	</a:t>
+            </a:r>
+            <a:r>
+              <a:rPr lang="en-IN" sz="1500" dirty="0" err="1"/>
+              <a:t>CartService</a:t>
+            </a:r>
+            <a:r>
+              <a:rPr lang="en-IN" sz="1500" dirty="0"/>
+              <a:t> </a:t>
+            </a:r>
+            <a:r>
+              <a:rPr lang="en-IN" sz="1500" dirty="0" err="1"/>
+              <a:t>cartService</a:t>
+            </a:r>
+            <a:r>
+              <a:rPr lang="en-IN" sz="1500" dirty="0"/>
+              <a:t>;</a:t>
+            </a:r>
+          </a:p>
+          <a:p>
+            <a:pPr marL="0" indent="0">
+              <a:buNone/>
+            </a:pPr>
+            <a:endParaRPr lang="en-IN" sz="1500" dirty="0"/>
+          </a:p>
+          <a:p>
+            <a:pPr marL="0" indent="0">
+              <a:buNone/>
+            </a:pPr>
+            <a:r>
+              <a:rPr lang="en-IN" sz="1500" dirty="0"/>
+              <a:t>	@</a:t>
+            </a:r>
+            <a:r>
+              <a:rPr lang="en-IN" sz="1500" dirty="0" err="1"/>
+              <a:t>RequestMapping</a:t>
+            </a:r>
+            <a:r>
+              <a:rPr lang="en-IN" sz="1500" dirty="0"/>
+              <a:t>(value = "/add/{</a:t>
+            </a:r>
+            <a:r>
+              <a:rPr lang="en-IN" sz="1500" dirty="0" err="1"/>
+              <a:t>customerid</a:t>
+            </a:r>
+            <a:r>
+              <a:rPr lang="en-IN" sz="1500" dirty="0"/>
+              <a:t>}", method = </a:t>
+            </a:r>
+            <a:r>
+              <a:rPr lang="en-IN" sz="1500" dirty="0" err="1"/>
+              <a:t>RequestMethod.POST</a:t>
+            </a:r>
+            <a:r>
+              <a:rPr lang="en-IN" sz="1500" dirty="0"/>
+              <a:t>)</a:t>
+            </a:r>
+          </a:p>
+          <a:p>
+            <a:pPr marL="0" indent="0">
+              <a:buNone/>
+            </a:pPr>
+            <a:r>
+              <a:rPr lang="en-IN" sz="1500" dirty="0"/>
+              <a:t>	public String </a:t>
+            </a:r>
+            <a:r>
+              <a:rPr lang="en-IN" sz="1500" dirty="0" err="1"/>
+              <a:t>addCart</a:t>
+            </a:r>
+            <a:r>
+              <a:rPr lang="en-IN" sz="1500" dirty="0"/>
+              <a:t>(@</a:t>
+            </a:r>
+            <a:r>
+              <a:rPr lang="en-IN" sz="1500" dirty="0" err="1"/>
+              <a:t>PathVariable</a:t>
+            </a:r>
+            <a:r>
+              <a:rPr lang="en-IN" sz="1500" dirty="0"/>
+              <a:t> int </a:t>
+            </a:r>
+            <a:r>
+              <a:rPr lang="en-IN" sz="1500" dirty="0" err="1"/>
+              <a:t>customerid</a:t>
+            </a:r>
+            <a:r>
+              <a:rPr lang="en-IN" sz="1500" dirty="0"/>
+              <a:t>, @</a:t>
+            </a:r>
+            <a:r>
+              <a:rPr lang="en-IN" sz="1500" dirty="0" err="1"/>
+              <a:t>RequestBody</a:t>
+            </a:r>
+            <a:r>
+              <a:rPr lang="en-IN" sz="1500" dirty="0"/>
+              <a:t> </a:t>
+            </a:r>
+            <a:r>
+              <a:rPr lang="en-IN" sz="1500" dirty="0" err="1"/>
+              <a:t>CartItem</a:t>
+            </a:r>
+            <a:r>
+              <a:rPr lang="en-IN" sz="1500" dirty="0"/>
+              <a:t> </a:t>
+            </a:r>
+            <a:r>
+              <a:rPr lang="en-IN" sz="1500" dirty="0" err="1"/>
+              <a:t>cartitem</a:t>
+            </a:r>
+            <a:r>
+              <a:rPr lang="en-IN" sz="1500" dirty="0"/>
+              <a:t>) {</a:t>
+            </a:r>
+          </a:p>
+          <a:p>
+            <a:pPr marL="0" indent="0">
+              <a:buNone/>
+            </a:pPr>
+            <a:r>
+              <a:rPr lang="en-IN" sz="1500" dirty="0"/>
+              <a:t>		return </a:t>
+            </a:r>
+            <a:r>
+              <a:rPr lang="en-IN" sz="1500" dirty="0" err="1"/>
+              <a:t>cartService.addToCart</a:t>
+            </a:r>
+            <a:r>
+              <a:rPr lang="en-IN" sz="1500" dirty="0"/>
+              <a:t>(</a:t>
+            </a:r>
+            <a:r>
+              <a:rPr lang="en-IN" sz="1500" dirty="0" err="1"/>
+              <a:t>customerid</a:t>
+            </a:r>
+            <a:r>
+              <a:rPr lang="en-IN" sz="1500" dirty="0"/>
+              <a:t>, </a:t>
+            </a:r>
+            <a:r>
+              <a:rPr lang="en-IN" sz="1500" dirty="0" err="1"/>
+              <a:t>cartitem</a:t>
+            </a:r>
+            <a:r>
+              <a:rPr lang="en-IN" sz="1500" dirty="0"/>
+              <a:t>);</a:t>
+            </a:r>
+          </a:p>
+          <a:p>
+            <a:pPr marL="0" indent="0">
+              <a:buNone/>
+            </a:pPr>
+            <a:r>
+              <a:rPr lang="en-IN" sz="1500" dirty="0"/>
+              <a:t>	}</a:t>
+            </a:r>
+          </a:p>
+          <a:p>
+            <a:pPr marL="0" indent="0">
+              <a:buNone/>
+            </a:pPr>
+            <a:endParaRPr lang="en-IN" sz="1500" dirty="0"/>
+          </a:p>
+          <a:p>
+            <a:pPr marL="0" indent="0">
+              <a:buNone/>
+            </a:pPr>
+            <a:endParaRPr lang="en-IN" sz="1500" dirty="0"/>
+          </a:p>
+          <a:p>
+            <a:pPr marL="0" indent="0">
+              <a:buNone/>
+            </a:pPr>
+            <a:endParaRPr lang="en-IN" sz="1500" dirty="0"/>
+          </a:p>
+        </p:txBody>
+      </p:sp>
+    </p:spTree>
+    <p:extLst>
+      <p:ext uri="{BB962C8B-B14F-4D97-AF65-F5344CB8AC3E}">
+        <p14:creationId xmlns:p14="http://schemas.microsoft.com/office/powerpoint/2010/main" val="2522776116"/>
+      </p:ext>
+    </p:extLst>
+  </p:cSld>
+  <p:clrMapOvr>
+    <a:masterClrMapping/>
+  </p:clrMapOvr>
+</p:sld>
+</file>
+
+<file path=ppt/slides/slide11.xml><?xml version="1.0" encoding="utf-8"?>
+<p:sld xmlns:a="http://schemas.openxmlformats.org/drawingml/2006/main" xmlns:r="http://schemas.openxmlformats.org/officeDocument/2006/relationships" xmlns:p="http://schemas.openxmlformats.org/presentationml/2006/main">
+  <p:cSld>
+    <p:spTree>
+      <p:nvGrpSpPr>
+        <p:cNvPr id="1" name=""/>
+        <p:cNvGrpSpPr/>
+        <p:nvPr/>
+      </p:nvGrpSpPr>
+      <p:grpSpPr>
+        <a:xfrm>
+          <a:off x="0" y="0"/>
+          <a:ext cx="0" cy="0"/>
+          <a:chOff x="0" y="0"/>
+          <a:chExt cx="0" cy="0"/>
+        </a:xfrm>
+      </p:grpSpPr>
+      <p:sp>
+        <p:nvSpPr>
+          <p:cNvPr id="3" name="Content Placeholder 2">
+            <a:extLst>
+              <a:ext uri="{FF2B5EF4-FFF2-40B4-BE49-F238E27FC236}">
+                <a16:creationId xmlns:a16="http://schemas.microsoft.com/office/drawing/2014/main" id="{A5513355-3878-460D-B7EC-8B55534E93B9}"/>
+              </a:ext>
+            </a:extLst>
+          </p:cNvPr>
+          <p:cNvSpPr>
+            <a:spLocks noGrp="1"/>
+          </p:cNvSpPr>
+          <p:nvPr>
+            <p:ph idx="1"/>
+          </p:nvPr>
+        </p:nvSpPr>
+        <p:spPr>
+          <a:xfrm>
+            <a:off x="677334" y="123825"/>
+            <a:ext cx="8596668" cy="5917537"/>
+          </a:xfrm>
+        </p:spPr>
+        <p:txBody>
+          <a:bodyPr>
+            <a:normAutofit fontScale="85000" lnSpcReduction="10000"/>
+          </a:bodyPr>
+          <a:lstStyle/>
+          <a:p>
+            <a:pPr marL="0" indent="0">
+              <a:buNone/>
+            </a:pPr>
+            <a:r>
+              <a:rPr lang="en-IN" dirty="0"/>
+              <a:t>	@</a:t>
+            </a:r>
+            <a:r>
+              <a:rPr lang="en-IN" dirty="0" err="1"/>
+              <a:t>RequestMapping</a:t>
+            </a:r>
+            <a:r>
+              <a:rPr lang="en-IN" dirty="0"/>
+              <a:t>(value = "/</a:t>
+            </a:r>
+            <a:r>
+              <a:rPr lang="en-IN" dirty="0" err="1"/>
+              <a:t>getCartItems</a:t>
+            </a:r>
+            <a:r>
+              <a:rPr lang="en-IN" dirty="0"/>
+              <a:t>/{</a:t>
+            </a:r>
+            <a:r>
+              <a:rPr lang="en-IN" dirty="0" err="1"/>
+              <a:t>customerid</a:t>
+            </a:r>
+            <a:r>
+              <a:rPr lang="en-IN" dirty="0"/>
+              <a:t>}", method = </a:t>
+            </a:r>
+            <a:r>
+              <a:rPr lang="en-IN" dirty="0" err="1"/>
+              <a:t>RequestMethod.GET</a:t>
+            </a:r>
+            <a:r>
+              <a:rPr lang="en-IN" dirty="0"/>
+              <a:t>)</a:t>
+            </a:r>
+          </a:p>
+          <a:p>
+            <a:pPr marL="0" indent="0">
+              <a:buNone/>
+            </a:pPr>
+            <a:r>
+              <a:rPr lang="en-IN" dirty="0"/>
+              <a:t>	public List&lt;</a:t>
+            </a:r>
+            <a:r>
+              <a:rPr lang="en-IN" dirty="0" err="1"/>
+              <a:t>CartItem</a:t>
+            </a:r>
+            <a:r>
+              <a:rPr lang="en-IN" dirty="0"/>
+              <a:t>&gt; </a:t>
+            </a:r>
+            <a:r>
+              <a:rPr lang="en-IN" dirty="0" err="1"/>
+              <a:t>getCartItems</a:t>
+            </a:r>
+            <a:r>
+              <a:rPr lang="en-IN" dirty="0"/>
+              <a:t>(@</a:t>
+            </a:r>
+            <a:r>
+              <a:rPr lang="en-IN" dirty="0" err="1"/>
+              <a:t>PathVariable</a:t>
+            </a:r>
+            <a:r>
+              <a:rPr lang="en-IN" dirty="0"/>
+              <a:t> int </a:t>
+            </a:r>
+            <a:r>
+              <a:rPr lang="en-IN" dirty="0" err="1"/>
+              <a:t>customerid</a:t>
+            </a:r>
+            <a:r>
+              <a:rPr lang="en-IN" dirty="0"/>
+              <a:t>) {</a:t>
+            </a:r>
+          </a:p>
+          <a:p>
+            <a:pPr marL="0" indent="0">
+              <a:buNone/>
+            </a:pPr>
+            <a:r>
+              <a:rPr lang="en-IN" dirty="0"/>
+              <a:t>		return </a:t>
+            </a:r>
+            <a:r>
+              <a:rPr lang="en-IN" dirty="0" err="1"/>
+              <a:t>cartService.getCartItems</a:t>
+            </a:r>
+            <a:r>
+              <a:rPr lang="en-IN" dirty="0"/>
+              <a:t>(</a:t>
+            </a:r>
+            <a:r>
+              <a:rPr lang="en-IN" dirty="0" err="1"/>
+              <a:t>customerid</a:t>
+            </a:r>
+            <a:r>
+              <a:rPr lang="en-IN" dirty="0"/>
+              <a:t>);</a:t>
+            </a:r>
+          </a:p>
+          <a:p>
+            <a:pPr marL="0" indent="0">
+              <a:buNone/>
+            </a:pPr>
+            <a:r>
+              <a:rPr lang="en-IN" dirty="0"/>
+              <a:t>	}</a:t>
+            </a:r>
+          </a:p>
+          <a:p>
+            <a:pPr marL="0" indent="0">
+              <a:buNone/>
+            </a:pPr>
+            <a:endParaRPr lang="en-IN" dirty="0"/>
+          </a:p>
+          <a:p>
+            <a:pPr marL="0" indent="0">
+              <a:buNone/>
+            </a:pPr>
+            <a:r>
+              <a:rPr lang="en-IN" dirty="0"/>
+              <a:t>	@</a:t>
+            </a:r>
+            <a:r>
+              <a:rPr lang="en-IN" dirty="0" err="1"/>
+              <a:t>RequestMapping</a:t>
+            </a:r>
+            <a:r>
+              <a:rPr lang="en-IN" dirty="0"/>
+              <a:t>(value = "/update/{</a:t>
+            </a:r>
+            <a:r>
+              <a:rPr lang="en-IN" dirty="0" err="1"/>
+              <a:t>customerid</a:t>
+            </a:r>
+            <a:r>
+              <a:rPr lang="en-IN" dirty="0"/>
+              <a:t>}", method = </a:t>
+            </a:r>
+            <a:r>
+              <a:rPr lang="en-IN" dirty="0" err="1"/>
+              <a:t>RequestMethod.PUT</a:t>
+            </a:r>
+            <a:r>
+              <a:rPr lang="en-IN" dirty="0"/>
+              <a:t>)</a:t>
+            </a:r>
+          </a:p>
+          <a:p>
+            <a:pPr marL="0" indent="0">
+              <a:buNone/>
+            </a:pPr>
+            <a:r>
+              <a:rPr lang="en-IN" dirty="0"/>
+              <a:t>	public void </a:t>
+            </a:r>
+            <a:r>
+              <a:rPr lang="en-IN" dirty="0" err="1"/>
+              <a:t>updateCart</a:t>
+            </a:r>
+            <a:r>
+              <a:rPr lang="en-IN" dirty="0"/>
+              <a:t>(@</a:t>
+            </a:r>
+            <a:r>
+              <a:rPr lang="en-IN" dirty="0" err="1"/>
+              <a:t>PathVariable</a:t>
+            </a:r>
+            <a:r>
+              <a:rPr lang="en-IN" dirty="0"/>
+              <a:t> int </a:t>
+            </a:r>
+            <a:r>
+              <a:rPr lang="en-IN" dirty="0" err="1"/>
+              <a:t>customerid</a:t>
+            </a:r>
+            <a:r>
+              <a:rPr lang="en-IN" dirty="0"/>
+              <a:t>, @</a:t>
+            </a:r>
+            <a:r>
+              <a:rPr lang="en-IN" dirty="0" err="1"/>
+              <a:t>RequestParam</a:t>
+            </a:r>
+            <a:r>
+              <a:rPr lang="en-IN" dirty="0"/>
+              <a:t>(value = "quantity") int quantity,</a:t>
+            </a:r>
+          </a:p>
+          <a:p>
+            <a:pPr marL="0" indent="0">
+              <a:buNone/>
+            </a:pPr>
+            <a:r>
+              <a:rPr lang="en-IN" dirty="0"/>
+              <a:t>			@</a:t>
+            </a:r>
+            <a:r>
+              <a:rPr lang="en-IN" dirty="0" err="1"/>
+              <a:t>RequestParam</a:t>
+            </a:r>
+            <a:r>
+              <a:rPr lang="en-IN" dirty="0"/>
+              <a:t>(value = "code") String code) {</a:t>
+            </a:r>
+          </a:p>
+          <a:p>
+            <a:pPr marL="0" indent="0">
+              <a:buNone/>
+            </a:pPr>
+            <a:r>
+              <a:rPr lang="en-IN" dirty="0"/>
+              <a:t>		</a:t>
+            </a:r>
+            <a:r>
+              <a:rPr lang="en-IN" dirty="0" err="1"/>
+              <a:t>cartService.updateCart</a:t>
+            </a:r>
+            <a:r>
+              <a:rPr lang="en-IN" dirty="0"/>
+              <a:t>(</a:t>
+            </a:r>
+            <a:r>
+              <a:rPr lang="en-IN" dirty="0" err="1"/>
+              <a:t>customerid</a:t>
+            </a:r>
+            <a:r>
+              <a:rPr lang="en-IN" dirty="0"/>
+              <a:t>, quantity, code);</a:t>
+            </a:r>
+          </a:p>
+          <a:p>
+            <a:pPr marL="0" indent="0">
+              <a:buNone/>
+            </a:pPr>
+            <a:r>
+              <a:rPr lang="en-IN" dirty="0"/>
+              <a:t>	}</a:t>
+            </a:r>
+          </a:p>
+          <a:p>
+            <a:pPr marL="0" indent="0">
+              <a:buNone/>
+            </a:pPr>
+            <a:endParaRPr lang="en-IN" dirty="0"/>
+          </a:p>
+          <a:p>
+            <a:pPr marL="0" indent="0">
+              <a:buNone/>
+            </a:pPr>
+            <a:r>
+              <a:rPr lang="en-IN" dirty="0"/>
+              <a:t>	@</a:t>
+            </a:r>
+            <a:r>
+              <a:rPr lang="en-IN" dirty="0" err="1"/>
+              <a:t>RequestMapping</a:t>
+            </a:r>
+            <a:r>
+              <a:rPr lang="en-IN" dirty="0"/>
+              <a:t>(value = "/delete/{</a:t>
+            </a:r>
+            <a:r>
+              <a:rPr lang="en-IN" dirty="0" err="1"/>
+              <a:t>customerid</a:t>
+            </a:r>
+            <a:r>
+              <a:rPr lang="en-IN" dirty="0"/>
+              <a:t>}", method = </a:t>
+            </a:r>
+            <a:r>
+              <a:rPr lang="en-IN" dirty="0" err="1"/>
+              <a:t>RequestMethod.DELETE</a:t>
+            </a:r>
+            <a:r>
+              <a:rPr lang="en-IN" dirty="0"/>
+              <a:t>)</a:t>
+            </a:r>
+          </a:p>
+          <a:p>
+            <a:pPr marL="0" indent="0">
+              <a:buNone/>
+            </a:pPr>
+            <a:r>
+              <a:rPr lang="en-IN" dirty="0"/>
+              <a:t>	public void </a:t>
+            </a:r>
+            <a:r>
+              <a:rPr lang="en-IN" dirty="0" err="1"/>
+              <a:t>deleteItemInCart</a:t>
+            </a:r>
+            <a:r>
+              <a:rPr lang="en-IN" dirty="0"/>
+              <a:t>(@</a:t>
+            </a:r>
+            <a:r>
+              <a:rPr lang="en-IN" dirty="0" err="1"/>
+              <a:t>PathVariable</a:t>
+            </a:r>
+            <a:r>
+              <a:rPr lang="en-IN" dirty="0"/>
+              <a:t> int </a:t>
+            </a:r>
+            <a:r>
+              <a:rPr lang="en-IN" dirty="0" err="1"/>
+              <a:t>customerid</a:t>
+            </a:r>
+            <a:r>
+              <a:rPr lang="en-IN" dirty="0"/>
+              <a:t>, @</a:t>
+            </a:r>
+            <a:r>
+              <a:rPr lang="en-IN" dirty="0" err="1"/>
+              <a:t>RequestParam</a:t>
+            </a:r>
+            <a:r>
+              <a:rPr lang="en-IN" dirty="0"/>
+              <a:t>(value = "code") String code) {</a:t>
+            </a:r>
+          </a:p>
+          <a:p>
+            <a:pPr marL="0" indent="0">
+              <a:buNone/>
+            </a:pPr>
+            <a:r>
+              <a:rPr lang="en-IN" dirty="0"/>
+              <a:t>		</a:t>
+            </a:r>
+            <a:r>
+              <a:rPr lang="en-IN" dirty="0" err="1"/>
+              <a:t>cartService.deleteItemInCart</a:t>
+            </a:r>
+            <a:r>
+              <a:rPr lang="en-IN" dirty="0"/>
+              <a:t>(</a:t>
+            </a:r>
+            <a:r>
+              <a:rPr lang="en-IN" dirty="0" err="1"/>
+              <a:t>customerid</a:t>
+            </a:r>
+            <a:r>
+              <a:rPr lang="en-IN" dirty="0"/>
+              <a:t>, code);</a:t>
+            </a:r>
+          </a:p>
+          <a:p>
+            <a:pPr marL="0" indent="0">
+              <a:buNone/>
+            </a:pPr>
+            <a:r>
+              <a:rPr lang="en-IN" dirty="0"/>
+              <a:t>	}</a:t>
+            </a:r>
+          </a:p>
+          <a:p>
+            <a:pPr marL="0" indent="0">
+              <a:buNone/>
+            </a:pPr>
+            <a:r>
+              <a:rPr lang="en-IN" dirty="0"/>
+              <a:t>}</a:t>
+            </a:r>
+          </a:p>
+          <a:p>
+            <a:pPr marL="0" indent="0">
+              <a:buNone/>
+            </a:pPr>
+            <a:endParaRPr lang="en-IN" dirty="0"/>
+          </a:p>
+        </p:txBody>
+      </p:sp>
+    </p:spTree>
+    <p:extLst>
+      <p:ext uri="{BB962C8B-B14F-4D97-AF65-F5344CB8AC3E}">
+        <p14:creationId xmlns:p14="http://schemas.microsoft.com/office/powerpoint/2010/main" val="858702251"/>
+      </p:ext>
+    </p:extLst>
+  </p:cSld>
+  <p:clrMapOvr>
+    <a:masterClrMapping/>
+  </p:clrMapOvr>
+</p:sld>
+</file>
+
+<file path=ppt/slides/slide12.xml><?xml version="1.0" encoding="utf-8"?>
+<p:sld xmlns:a="http://schemas.openxmlformats.org/drawingml/2006/main" xmlns:r="http://schemas.openxmlformats.org/officeDocument/2006/relationships" xmlns:p="http://schemas.openxmlformats.org/presentationml/2006/main">
+  <p:cSld>
+    <p:spTree>
+      <p:nvGrpSpPr>
+        <p:cNvPr id="1" name=""/>
+        <p:cNvGrpSpPr/>
+        <p:nvPr/>
+      </p:nvGrpSpPr>
+      <p:grpSpPr>
+        <a:xfrm>
+          <a:off x="0" y="0"/>
+          <a:ext cx="0" cy="0"/>
+          <a:chOff x="0" y="0"/>
+          <a:chExt cx="0" cy="0"/>
+        </a:xfrm>
+      </p:grpSpPr>
+      <p:sp>
+        <p:nvSpPr>
+          <p:cNvPr id="3" name="Content Placeholder 2">
+            <a:extLst>
+              <a:ext uri="{FF2B5EF4-FFF2-40B4-BE49-F238E27FC236}">
+                <a16:creationId xmlns:a16="http://schemas.microsoft.com/office/drawing/2014/main" id="{EFC745E1-1F34-41CD-9F92-09F36CA73FCA}"/>
+              </a:ext>
+            </a:extLst>
+          </p:cNvPr>
+          <p:cNvSpPr>
+            <a:spLocks noGrp="1"/>
+          </p:cNvSpPr>
+          <p:nvPr>
+            <p:ph idx="1"/>
+          </p:nvPr>
+        </p:nvSpPr>
+        <p:spPr>
+          <a:xfrm>
+            <a:off x="677334" y="266701"/>
+            <a:ext cx="8596668" cy="5774662"/>
+          </a:xfrm>
+        </p:spPr>
+        <p:txBody>
+          <a:bodyPr>
+            <a:normAutofit fontScale="25000" lnSpcReduction="20000"/>
+          </a:bodyPr>
+          <a:lstStyle/>
+          <a:p>
+            <a:pPr marL="0" indent="0">
+              <a:buNone/>
+            </a:pPr>
+            <a:endParaRPr lang="en-IN" sz="6000" dirty="0"/>
+          </a:p>
+          <a:p>
+            <a:pPr marL="0" indent="0">
+              <a:buNone/>
+            </a:pPr>
+            <a:r>
+              <a:rPr lang="en-IN" sz="6000" dirty="0"/>
+              <a:t>@</a:t>
+            </a:r>
+            <a:r>
+              <a:rPr lang="en-IN" sz="6000" dirty="0" err="1"/>
+              <a:t>CrossOrigin</a:t>
+            </a:r>
+            <a:r>
+              <a:rPr lang="en-IN" sz="6000" dirty="0"/>
+              <a:t>(origins = "*", </a:t>
+            </a:r>
+            <a:r>
+              <a:rPr lang="en-IN" sz="6000" dirty="0" err="1"/>
+              <a:t>allowedHeaders</a:t>
+            </a:r>
+            <a:r>
+              <a:rPr lang="en-IN" sz="6000" dirty="0"/>
+              <a:t> = "*")</a:t>
+            </a:r>
+          </a:p>
+          <a:p>
+            <a:pPr marL="0" indent="0">
+              <a:buNone/>
+            </a:pPr>
+            <a:r>
+              <a:rPr lang="en-IN" sz="6000" dirty="0"/>
+              <a:t>@</a:t>
+            </a:r>
+            <a:r>
+              <a:rPr lang="en-IN" sz="6000" dirty="0" err="1"/>
+              <a:t>RestController</a:t>
+            </a:r>
+            <a:endParaRPr lang="en-IN" sz="6000" dirty="0"/>
+          </a:p>
+          <a:p>
+            <a:pPr marL="0" indent="0">
+              <a:buNone/>
+            </a:pPr>
+            <a:r>
+              <a:rPr lang="en-IN" sz="6000" dirty="0"/>
+              <a:t>@</a:t>
+            </a:r>
+            <a:r>
+              <a:rPr lang="en-IN" sz="6000" dirty="0" err="1"/>
+              <a:t>RequestMapping</a:t>
+            </a:r>
+            <a:r>
+              <a:rPr lang="en-IN" sz="6000" dirty="0"/>
+              <a:t>(value = "/order")</a:t>
+            </a:r>
+          </a:p>
+          <a:p>
+            <a:pPr marL="0" indent="0">
+              <a:buNone/>
+            </a:pPr>
+            <a:r>
+              <a:rPr lang="en-IN" sz="6000" dirty="0"/>
+              <a:t>public class </a:t>
+            </a:r>
+            <a:r>
+              <a:rPr lang="en-IN" sz="6000" dirty="0" err="1"/>
+              <a:t>OrderController</a:t>
+            </a:r>
+            <a:r>
+              <a:rPr lang="en-IN" sz="6000" dirty="0"/>
+              <a:t> {</a:t>
+            </a:r>
+          </a:p>
+          <a:p>
+            <a:pPr marL="0" indent="0">
+              <a:buNone/>
+            </a:pPr>
+            <a:r>
+              <a:rPr lang="en-IN" sz="6000" dirty="0"/>
+              <a:t>	@</a:t>
+            </a:r>
+            <a:r>
+              <a:rPr lang="en-IN" sz="6000" dirty="0" err="1"/>
+              <a:t>Autowired</a:t>
+            </a:r>
+            <a:endParaRPr lang="en-IN" sz="6000" dirty="0"/>
+          </a:p>
+          <a:p>
+            <a:pPr marL="0" indent="0">
+              <a:buNone/>
+            </a:pPr>
+            <a:r>
+              <a:rPr lang="en-IN" sz="6000" dirty="0"/>
+              <a:t>	</a:t>
+            </a:r>
+            <a:r>
+              <a:rPr lang="en-IN" sz="6000" dirty="0" err="1"/>
+              <a:t>OrderService</a:t>
+            </a:r>
+            <a:r>
+              <a:rPr lang="en-IN" sz="6000" dirty="0"/>
+              <a:t> </a:t>
+            </a:r>
+            <a:r>
+              <a:rPr lang="en-IN" sz="6000" dirty="0" err="1"/>
+              <a:t>orderService</a:t>
+            </a:r>
+            <a:r>
+              <a:rPr lang="en-IN" sz="6000" dirty="0"/>
+              <a:t>;</a:t>
+            </a:r>
+          </a:p>
+          <a:p>
+            <a:pPr marL="0" indent="0">
+              <a:buNone/>
+            </a:pPr>
+            <a:endParaRPr lang="en-IN" sz="6000" dirty="0"/>
+          </a:p>
+          <a:p>
+            <a:pPr marL="0" indent="0">
+              <a:buNone/>
+            </a:pPr>
+            <a:r>
+              <a:rPr lang="en-IN" sz="6000" dirty="0"/>
+              <a:t>	@</a:t>
+            </a:r>
+            <a:r>
+              <a:rPr lang="en-IN" sz="6000" dirty="0" err="1"/>
+              <a:t>RequestMapping</a:t>
+            </a:r>
+            <a:r>
+              <a:rPr lang="en-IN" sz="6000" dirty="0"/>
+              <a:t>(value = "/place/{</a:t>
+            </a:r>
+            <a:r>
+              <a:rPr lang="en-IN" sz="6000" dirty="0" err="1"/>
+              <a:t>customerid</a:t>
+            </a:r>
+            <a:r>
+              <a:rPr lang="en-IN" sz="6000" dirty="0"/>
+              <a:t>}", method = </a:t>
+            </a:r>
+            <a:r>
+              <a:rPr lang="en-IN" sz="6000" dirty="0" err="1"/>
+              <a:t>RequestMethod.POST</a:t>
+            </a:r>
+            <a:r>
+              <a:rPr lang="en-IN" sz="6000" dirty="0"/>
+              <a:t>)</a:t>
+            </a:r>
+          </a:p>
+          <a:p>
+            <a:pPr marL="0" indent="0">
+              <a:buNone/>
+            </a:pPr>
+            <a:r>
+              <a:rPr lang="en-IN" sz="6000" dirty="0"/>
+              <a:t>	public String </a:t>
+            </a:r>
+            <a:r>
+              <a:rPr lang="en-IN" sz="6000" dirty="0" err="1"/>
+              <a:t>placeOrder</a:t>
+            </a:r>
+            <a:r>
+              <a:rPr lang="en-IN" sz="6000" dirty="0"/>
+              <a:t>(@</a:t>
+            </a:r>
+            <a:r>
+              <a:rPr lang="en-IN" sz="6000" dirty="0" err="1"/>
+              <a:t>PathVariable</a:t>
+            </a:r>
+            <a:r>
+              <a:rPr lang="en-IN" sz="6000" dirty="0"/>
+              <a:t> int </a:t>
+            </a:r>
+            <a:r>
+              <a:rPr lang="en-IN" sz="6000" dirty="0" err="1"/>
+              <a:t>customerid</a:t>
+            </a:r>
+            <a:r>
+              <a:rPr lang="en-IN" sz="6000" dirty="0"/>
+              <a:t>, @</a:t>
+            </a:r>
+            <a:r>
+              <a:rPr lang="en-IN" sz="6000" dirty="0" err="1"/>
+              <a:t>RequestBody</a:t>
+            </a:r>
+            <a:r>
+              <a:rPr lang="en-IN" sz="6000" dirty="0"/>
+              <a:t> Price price) {</a:t>
+            </a:r>
+          </a:p>
+          <a:p>
+            <a:pPr marL="0" indent="0">
+              <a:buNone/>
+            </a:pPr>
+            <a:r>
+              <a:rPr lang="en-IN" sz="6000" dirty="0"/>
+              <a:t>		return </a:t>
+            </a:r>
+            <a:r>
+              <a:rPr lang="en-IN" sz="6000" dirty="0" err="1"/>
+              <a:t>orderService.placeOrder</a:t>
+            </a:r>
+            <a:r>
+              <a:rPr lang="en-IN" sz="6000" dirty="0"/>
+              <a:t>(</a:t>
+            </a:r>
+            <a:r>
+              <a:rPr lang="en-IN" sz="6000" dirty="0" err="1"/>
+              <a:t>customerid</a:t>
+            </a:r>
+            <a:r>
+              <a:rPr lang="en-IN" sz="6000" dirty="0"/>
+              <a:t>, price);</a:t>
+            </a:r>
+          </a:p>
+          <a:p>
+            <a:pPr marL="0" indent="0">
+              <a:buNone/>
+            </a:pPr>
+            <a:r>
+              <a:rPr lang="en-IN" sz="6000" dirty="0"/>
+              <a:t>	}</a:t>
+            </a:r>
+          </a:p>
+          <a:p>
+            <a:pPr marL="0" indent="0">
+              <a:buNone/>
+            </a:pPr>
+            <a:endParaRPr lang="en-IN" sz="6000" dirty="0"/>
+          </a:p>
+          <a:p>
+            <a:pPr marL="0" indent="0">
+              <a:buNone/>
+            </a:pPr>
+            <a:r>
+              <a:rPr lang="en-IN" sz="6000" dirty="0"/>
+              <a:t>	@</a:t>
+            </a:r>
+            <a:r>
+              <a:rPr lang="en-IN" sz="6000" dirty="0" err="1"/>
+              <a:t>RequestMapping</a:t>
+            </a:r>
+            <a:r>
+              <a:rPr lang="en-IN" sz="6000" dirty="0"/>
+              <a:t>(value = "/</a:t>
+            </a:r>
+            <a:r>
+              <a:rPr lang="en-IN" sz="6000" dirty="0" err="1"/>
+              <a:t>getOrders</a:t>
+            </a:r>
+            <a:r>
+              <a:rPr lang="en-IN" sz="6000" dirty="0"/>
+              <a:t>/{</a:t>
+            </a:r>
+            <a:r>
+              <a:rPr lang="en-IN" sz="6000" dirty="0" err="1"/>
+              <a:t>customerid</a:t>
+            </a:r>
+            <a:r>
+              <a:rPr lang="en-IN" sz="6000" dirty="0"/>
+              <a:t>}", method = </a:t>
+            </a:r>
+            <a:r>
+              <a:rPr lang="en-IN" sz="6000" dirty="0" err="1"/>
+              <a:t>RequestMethod.GET</a:t>
+            </a:r>
+            <a:r>
+              <a:rPr lang="en-IN" sz="6000" dirty="0"/>
+              <a:t>)</a:t>
+            </a:r>
+          </a:p>
+          <a:p>
+            <a:pPr marL="0" indent="0">
+              <a:buNone/>
+            </a:pPr>
+            <a:r>
+              <a:rPr lang="en-IN" sz="6000" dirty="0"/>
+              <a:t>	public List&lt;Order&gt; </a:t>
+            </a:r>
+            <a:r>
+              <a:rPr lang="en-IN" sz="6000" dirty="0" err="1"/>
+              <a:t>GetOrders</a:t>
+            </a:r>
+            <a:r>
+              <a:rPr lang="en-IN" sz="6000" dirty="0"/>
+              <a:t>(@</a:t>
+            </a:r>
+            <a:r>
+              <a:rPr lang="en-IN" sz="6000" dirty="0" err="1"/>
+              <a:t>PathVariable</a:t>
+            </a:r>
+            <a:r>
+              <a:rPr lang="en-IN" sz="6000" dirty="0"/>
+              <a:t> int </a:t>
+            </a:r>
+            <a:r>
+              <a:rPr lang="en-IN" sz="6000" dirty="0" err="1"/>
+              <a:t>customerid</a:t>
+            </a:r>
+            <a:r>
+              <a:rPr lang="en-IN" sz="6000" dirty="0"/>
+              <a:t>) {</a:t>
+            </a:r>
+          </a:p>
+          <a:p>
+            <a:pPr marL="0" indent="0">
+              <a:buNone/>
+            </a:pPr>
+            <a:r>
+              <a:rPr lang="en-IN" sz="6000" dirty="0"/>
+              <a:t>		return </a:t>
+            </a:r>
+            <a:r>
+              <a:rPr lang="en-IN" sz="6000" dirty="0" err="1"/>
+              <a:t>orderService.getOrders</a:t>
+            </a:r>
+            <a:r>
+              <a:rPr lang="en-IN" sz="6000" dirty="0"/>
+              <a:t>(</a:t>
+            </a:r>
+            <a:r>
+              <a:rPr lang="en-IN" sz="6000" dirty="0" err="1"/>
+              <a:t>customerid</a:t>
+            </a:r>
+            <a:r>
+              <a:rPr lang="en-IN" sz="6000" dirty="0"/>
+              <a:t>);</a:t>
+            </a:r>
+          </a:p>
+          <a:p>
+            <a:pPr marL="0" indent="0">
+              <a:buNone/>
+            </a:pPr>
+            <a:r>
+              <a:rPr lang="en-IN" sz="6000" dirty="0"/>
+              <a:t>	}</a:t>
+            </a:r>
+          </a:p>
+          <a:p>
+            <a:pPr marL="0" indent="0">
+              <a:buNone/>
+            </a:pPr>
+            <a:r>
+              <a:rPr lang="en-IN" sz="6000" dirty="0"/>
+              <a:t>	@</a:t>
+            </a:r>
+            <a:r>
+              <a:rPr lang="en-IN" sz="6000" dirty="0" err="1"/>
+              <a:t>RequestMapping</a:t>
+            </a:r>
+            <a:r>
+              <a:rPr lang="en-IN" sz="6000" dirty="0"/>
+              <a:t>(value = "/</a:t>
+            </a:r>
+            <a:r>
+              <a:rPr lang="en-IN" sz="6000" dirty="0" err="1"/>
+              <a:t>cartitems</a:t>
+            </a:r>
+            <a:r>
+              <a:rPr lang="en-IN" sz="6000" dirty="0"/>
+              <a:t>/{</a:t>
+            </a:r>
+            <a:r>
+              <a:rPr lang="en-IN" sz="6000" dirty="0" err="1"/>
+              <a:t>orderid</a:t>
+            </a:r>
+            <a:r>
+              <a:rPr lang="en-IN" sz="6000" dirty="0"/>
+              <a:t>}", method = </a:t>
+            </a:r>
+            <a:r>
+              <a:rPr lang="en-IN" sz="6000" dirty="0" err="1"/>
+              <a:t>RequestMethod.GET</a:t>
+            </a:r>
+            <a:r>
+              <a:rPr lang="en-IN" sz="6000" dirty="0"/>
+              <a:t>)</a:t>
+            </a:r>
+          </a:p>
+          <a:p>
+            <a:pPr marL="0" indent="0">
+              <a:buNone/>
+            </a:pPr>
+            <a:r>
+              <a:rPr lang="en-IN" sz="6000" dirty="0"/>
+              <a:t>	public List&lt;</a:t>
+            </a:r>
+            <a:r>
+              <a:rPr lang="en-IN" sz="6000" dirty="0" err="1"/>
+              <a:t>CartItem</a:t>
+            </a:r>
+            <a:r>
+              <a:rPr lang="en-IN" sz="6000" dirty="0"/>
+              <a:t>&gt; </a:t>
+            </a:r>
+            <a:r>
+              <a:rPr lang="en-IN" sz="6000" dirty="0" err="1"/>
+              <a:t>GetCartItems</a:t>
+            </a:r>
+            <a:r>
+              <a:rPr lang="en-IN" sz="6000" dirty="0"/>
+              <a:t>(@</a:t>
+            </a:r>
+            <a:r>
+              <a:rPr lang="en-IN" sz="6000" dirty="0" err="1"/>
+              <a:t>PathVariable</a:t>
+            </a:r>
+            <a:r>
+              <a:rPr lang="en-IN" sz="6000" dirty="0"/>
+              <a:t> int </a:t>
+            </a:r>
+            <a:r>
+              <a:rPr lang="en-IN" sz="6000" dirty="0" err="1"/>
+              <a:t>orderid</a:t>
+            </a:r>
+            <a:r>
+              <a:rPr lang="en-IN" sz="6000" dirty="0"/>
+              <a:t>) {</a:t>
+            </a:r>
+          </a:p>
+          <a:p>
+            <a:pPr marL="0" indent="0">
+              <a:buNone/>
+            </a:pPr>
+            <a:r>
+              <a:rPr lang="en-IN" sz="6000" dirty="0"/>
+              <a:t>		return </a:t>
+            </a:r>
+            <a:r>
+              <a:rPr lang="en-IN" sz="6000" dirty="0" err="1"/>
+              <a:t>orderService.getOrderCartItems</a:t>
+            </a:r>
+            <a:r>
+              <a:rPr lang="en-IN" sz="6000" dirty="0"/>
+              <a:t>(</a:t>
+            </a:r>
+            <a:r>
+              <a:rPr lang="en-IN" sz="6000" dirty="0" err="1"/>
+              <a:t>orderid</a:t>
+            </a:r>
+            <a:r>
+              <a:rPr lang="en-IN" sz="6000" dirty="0"/>
+              <a:t>);</a:t>
+            </a:r>
+          </a:p>
+          <a:p>
+            <a:pPr marL="0" indent="0">
+              <a:buNone/>
+            </a:pPr>
+            <a:r>
+              <a:rPr lang="en-IN" sz="6000" dirty="0"/>
+              <a:t>	}</a:t>
+            </a:r>
+          </a:p>
+          <a:p>
+            <a:pPr marL="0" indent="0">
+              <a:buNone/>
+            </a:pPr>
+            <a:endParaRPr lang="en-IN" sz="6000" dirty="0"/>
+          </a:p>
+          <a:p>
+            <a:pPr marL="0" indent="0">
+              <a:buNone/>
+            </a:pPr>
+            <a:r>
+              <a:rPr lang="en-IN" sz="6000" dirty="0"/>
+              <a:t>}</a:t>
+            </a:r>
+          </a:p>
+          <a:p>
+            <a:pPr marL="0" indent="0">
+              <a:buNone/>
+            </a:pPr>
+            <a:endParaRPr lang="en-IN" dirty="0"/>
+          </a:p>
+        </p:txBody>
+      </p:sp>
+    </p:spTree>
+    <p:extLst>
+      <p:ext uri="{BB962C8B-B14F-4D97-AF65-F5344CB8AC3E}">
+        <p14:creationId xmlns:p14="http://schemas.microsoft.com/office/powerpoint/2010/main" val="756174865"/>
+      </p:ext>
+    </p:extLst>
+  </p:cSld>
+  <p:clrMapOvr>
+    <a:masterClrMapping/>
+  </p:clrMapOvr>
+</p:sld>
+</file>
+
+<file path=ppt/slides/slide13.xml><?xml version="1.0" encoding="utf-8"?>
+<p:sld xmlns:a="http://schemas.openxmlformats.org/drawingml/2006/main" xmlns:r="http://schemas.openxmlformats.org/officeDocument/2006/relationships" xmlns:p="http://schemas.openxmlformats.org/presentationml/2006/main">
+  <p:cSld>
+    <p:spTree>
+      <p:nvGrpSpPr>
+        <p:cNvPr id="1" name=""/>
+        <p:cNvGrpSpPr/>
+        <p:nvPr/>
+      </p:nvGrpSpPr>
+      <p:grpSpPr>
+        <a:xfrm>
+          <a:off x="0" y="0"/>
+          <a:ext cx="0" cy="0"/>
+          <a:chOff x="0" y="0"/>
+          <a:chExt cx="0" cy="0"/>
+        </a:xfrm>
+      </p:grpSpPr>
+      <p:sp>
+        <p:nvSpPr>
+          <p:cNvPr id="3" name="Content Placeholder 2">
+            <a:extLst>
+              <a:ext uri="{FF2B5EF4-FFF2-40B4-BE49-F238E27FC236}">
+                <a16:creationId xmlns:a16="http://schemas.microsoft.com/office/drawing/2014/main" id="{EFC745E1-1F34-41CD-9F92-09F36CA73FCA}"/>
+              </a:ext>
+            </a:extLst>
+          </p:cNvPr>
+          <p:cNvSpPr>
+            <a:spLocks noGrp="1"/>
+          </p:cNvSpPr>
+          <p:nvPr>
+            <p:ph idx="1"/>
+          </p:nvPr>
+        </p:nvSpPr>
+        <p:spPr>
+          <a:xfrm>
+            <a:off x="677334" y="266701"/>
+            <a:ext cx="8596668" cy="5774662"/>
+          </a:xfrm>
+        </p:spPr>
+        <p:txBody>
+          <a:bodyPr>
+            <a:normAutofit fontScale="25000" lnSpcReduction="20000"/>
+          </a:bodyPr>
+          <a:lstStyle/>
+          <a:p>
+            <a:pPr marL="0" indent="0">
+              <a:buNone/>
+            </a:pPr>
+            <a:r>
+              <a:rPr lang="en-IN" sz="6000" dirty="0"/>
+              <a:t>@</a:t>
+            </a:r>
+            <a:r>
+              <a:rPr lang="en-IN" sz="6000" dirty="0" err="1"/>
+              <a:t>CrossOrigin</a:t>
+            </a:r>
+            <a:r>
+              <a:rPr lang="en-IN" sz="6000" dirty="0"/>
+              <a:t>(origins = "*", </a:t>
+            </a:r>
+            <a:r>
+              <a:rPr lang="en-IN" sz="6000" dirty="0" err="1"/>
+              <a:t>allowedHeaders</a:t>
+            </a:r>
+            <a:r>
+              <a:rPr lang="en-IN" sz="6000" dirty="0"/>
+              <a:t> = "*")</a:t>
+            </a:r>
+          </a:p>
+          <a:p>
+            <a:pPr marL="0" indent="0">
+              <a:buNone/>
+            </a:pPr>
+            <a:r>
+              <a:rPr lang="en-IN" sz="6000" dirty="0"/>
+              <a:t>@</a:t>
+            </a:r>
+            <a:r>
+              <a:rPr lang="en-IN" sz="6000" dirty="0" err="1"/>
+              <a:t>RestController</a:t>
+            </a:r>
+            <a:endParaRPr lang="en-IN" sz="6000" dirty="0"/>
+          </a:p>
+          <a:p>
+            <a:pPr marL="0" indent="0">
+              <a:buNone/>
+            </a:pPr>
+            <a:r>
+              <a:rPr lang="en-IN" sz="6000" dirty="0"/>
+              <a:t>@</a:t>
+            </a:r>
+            <a:r>
+              <a:rPr lang="en-IN" sz="6000" dirty="0" err="1"/>
+              <a:t>RequestMapping</a:t>
+            </a:r>
+            <a:r>
+              <a:rPr lang="en-IN" sz="6000" dirty="0"/>
+              <a:t>(value = "/pricing")</a:t>
+            </a:r>
+          </a:p>
+          <a:p>
+            <a:pPr marL="0" indent="0">
+              <a:buNone/>
+            </a:pPr>
+            <a:r>
+              <a:rPr lang="en-IN" sz="6000" dirty="0"/>
+              <a:t>public class </a:t>
+            </a:r>
+            <a:r>
+              <a:rPr lang="en-IN" sz="6000" dirty="0" err="1"/>
+              <a:t>PricingController</a:t>
+            </a:r>
+            <a:r>
+              <a:rPr lang="en-IN" sz="6000" dirty="0"/>
+              <a:t> {</a:t>
+            </a:r>
+          </a:p>
+          <a:p>
+            <a:pPr marL="0" indent="0">
+              <a:buNone/>
+            </a:pPr>
+            <a:r>
+              <a:rPr lang="en-IN" sz="6000" dirty="0"/>
+              <a:t>	@</a:t>
+            </a:r>
+            <a:r>
+              <a:rPr lang="en-IN" sz="6000" dirty="0" err="1"/>
+              <a:t>Autowired</a:t>
+            </a:r>
+            <a:endParaRPr lang="en-IN" sz="6000" dirty="0"/>
+          </a:p>
+          <a:p>
+            <a:pPr marL="0" indent="0">
+              <a:buNone/>
+            </a:pPr>
+            <a:r>
+              <a:rPr lang="en-IN" sz="6000" dirty="0"/>
+              <a:t>	</a:t>
+            </a:r>
+            <a:r>
+              <a:rPr lang="en-IN" sz="6000" dirty="0" err="1"/>
+              <a:t>PricingService</a:t>
+            </a:r>
+            <a:r>
+              <a:rPr lang="en-IN" sz="6000" dirty="0"/>
+              <a:t> </a:t>
+            </a:r>
+            <a:r>
+              <a:rPr lang="en-IN" sz="6000" dirty="0" err="1"/>
+              <a:t>pricingService</a:t>
+            </a:r>
+            <a:r>
+              <a:rPr lang="en-IN" sz="6000" dirty="0"/>
+              <a:t>;</a:t>
+            </a:r>
+          </a:p>
+          <a:p>
+            <a:pPr marL="0" indent="0">
+              <a:buNone/>
+            </a:pPr>
+            <a:r>
+              <a:rPr lang="en-IN" sz="6000" dirty="0"/>
+              <a:t>	// gets all the states and corresponding abbreviations in US</a:t>
+            </a:r>
+          </a:p>
+          <a:p>
+            <a:pPr marL="0" indent="0">
+              <a:buNone/>
+            </a:pPr>
+            <a:r>
+              <a:rPr lang="en-IN" sz="6000" dirty="0"/>
+              <a:t>	@</a:t>
+            </a:r>
+            <a:r>
+              <a:rPr lang="en-IN" sz="6000" dirty="0" err="1"/>
+              <a:t>RequestMapping</a:t>
+            </a:r>
+            <a:r>
+              <a:rPr lang="en-IN" sz="6000" dirty="0"/>
+              <a:t>(value = "/region", method = </a:t>
+            </a:r>
+            <a:r>
+              <a:rPr lang="en-IN" sz="6000" dirty="0" err="1"/>
+              <a:t>RequestMethod.GET</a:t>
+            </a:r>
+            <a:r>
+              <a:rPr lang="en-IN" sz="6000" dirty="0"/>
+              <a:t>)</a:t>
+            </a:r>
+          </a:p>
+          <a:p>
+            <a:pPr marL="0" indent="0">
+              <a:buNone/>
+            </a:pPr>
+            <a:r>
+              <a:rPr lang="en-IN" sz="6000" dirty="0"/>
+              <a:t>	public HashMap&lt;String, String&gt; </a:t>
+            </a:r>
+            <a:r>
+              <a:rPr lang="en-IN" sz="6000" dirty="0" err="1"/>
+              <a:t>getStates</a:t>
+            </a:r>
+            <a:r>
+              <a:rPr lang="en-IN" sz="6000" dirty="0"/>
+              <a:t>() {</a:t>
+            </a:r>
+          </a:p>
+          <a:p>
+            <a:pPr marL="0" indent="0">
+              <a:buNone/>
+            </a:pPr>
+            <a:r>
+              <a:rPr lang="en-IN" sz="6000" dirty="0"/>
+              <a:t>		HashMap&lt;String, String&gt; states = </a:t>
+            </a:r>
+            <a:r>
+              <a:rPr lang="en-IN" sz="6000" dirty="0" err="1"/>
+              <a:t>pricingService.getStates</a:t>
+            </a:r>
+            <a:r>
+              <a:rPr lang="en-IN" sz="6000" dirty="0"/>
+              <a:t>();</a:t>
+            </a:r>
+          </a:p>
+          <a:p>
+            <a:pPr marL="0" indent="0">
+              <a:buNone/>
+            </a:pPr>
+            <a:r>
+              <a:rPr lang="en-IN" sz="6000" dirty="0"/>
+              <a:t>		return states;</a:t>
+            </a:r>
+          </a:p>
+          <a:p>
+            <a:pPr marL="0" indent="0">
+              <a:buNone/>
+            </a:pPr>
+            <a:r>
+              <a:rPr lang="en-IN" sz="6000" dirty="0"/>
+              <a:t>	}</a:t>
+            </a:r>
+          </a:p>
+          <a:p>
+            <a:pPr marL="0" indent="0">
+              <a:buNone/>
+            </a:pPr>
+            <a:endParaRPr lang="en-IN" sz="6000" dirty="0"/>
+          </a:p>
+          <a:p>
+            <a:pPr marL="0" indent="0">
+              <a:buNone/>
+            </a:pPr>
+            <a:r>
+              <a:rPr lang="en-IN" sz="6000" dirty="0"/>
+              <a:t>	// gets all the state taxes and corresponding abbreviations in US</a:t>
+            </a:r>
+          </a:p>
+          <a:p>
+            <a:pPr marL="0" indent="0">
+              <a:buNone/>
+            </a:pPr>
+            <a:r>
+              <a:rPr lang="en-IN" sz="6000" dirty="0"/>
+              <a:t>	@</a:t>
+            </a:r>
+            <a:r>
+              <a:rPr lang="en-IN" sz="6000" dirty="0" err="1"/>
+              <a:t>RequestMapping</a:t>
+            </a:r>
+            <a:r>
+              <a:rPr lang="en-IN" sz="6000" dirty="0"/>
+              <a:t>(value = "/tax", method = </a:t>
+            </a:r>
+            <a:r>
+              <a:rPr lang="en-IN" sz="6000" dirty="0" err="1"/>
+              <a:t>RequestMethod.GET</a:t>
+            </a:r>
+            <a:r>
+              <a:rPr lang="en-IN" sz="6000" dirty="0"/>
+              <a:t>)</a:t>
+            </a:r>
+          </a:p>
+          <a:p>
+            <a:pPr marL="0" indent="0">
+              <a:buNone/>
+            </a:pPr>
+            <a:r>
+              <a:rPr lang="en-IN" sz="6000" dirty="0"/>
+              <a:t>	public HashMap&lt;String, Integer&gt; </a:t>
+            </a:r>
+            <a:r>
+              <a:rPr lang="en-IN" sz="6000" dirty="0" err="1"/>
+              <a:t>getStateTax</a:t>
+            </a:r>
+            <a:r>
+              <a:rPr lang="en-IN" sz="6000" dirty="0"/>
+              <a:t>() {</a:t>
+            </a:r>
+          </a:p>
+          <a:p>
+            <a:pPr marL="0" indent="0">
+              <a:buNone/>
+            </a:pPr>
+            <a:r>
+              <a:rPr lang="en-IN" sz="6000" dirty="0"/>
+              <a:t>		HashMap&lt;String, Integer&gt; tax = </a:t>
+            </a:r>
+            <a:r>
+              <a:rPr lang="en-IN" sz="6000" dirty="0" err="1"/>
+              <a:t>pricingService.getStateTax</a:t>
+            </a:r>
+            <a:r>
+              <a:rPr lang="en-IN" sz="6000" dirty="0"/>
+              <a:t>();</a:t>
+            </a:r>
+          </a:p>
+          <a:p>
+            <a:pPr marL="0" indent="0">
+              <a:buNone/>
+            </a:pPr>
+            <a:r>
+              <a:rPr lang="en-IN" sz="6000" dirty="0"/>
+              <a:t>		return tax;</a:t>
+            </a:r>
+          </a:p>
+          <a:p>
+            <a:pPr marL="0" indent="0">
+              <a:buNone/>
+            </a:pPr>
+            <a:r>
+              <a:rPr lang="en-IN" sz="6000" dirty="0"/>
+              <a:t>	}</a:t>
+            </a:r>
+          </a:p>
+          <a:p>
+            <a:pPr marL="0" indent="0">
+              <a:buNone/>
+            </a:pPr>
+            <a:r>
+              <a:rPr lang="en-IN" sz="6000" dirty="0"/>
+              <a:t>	</a:t>
+            </a:r>
+          </a:p>
+          <a:p>
+            <a:pPr marL="0" indent="0">
+              <a:buNone/>
+            </a:pPr>
+            <a:r>
+              <a:rPr lang="en-IN" sz="6000" dirty="0"/>
+              <a:t>}</a:t>
+            </a:r>
+            <a:endParaRPr lang="en-IN" dirty="0"/>
+          </a:p>
+        </p:txBody>
+      </p:sp>
+    </p:spTree>
+    <p:extLst>
+      <p:ext uri="{BB962C8B-B14F-4D97-AF65-F5344CB8AC3E}">
+        <p14:creationId xmlns:p14="http://schemas.microsoft.com/office/powerpoint/2010/main" val="2180823312"/>
+      </p:ext>
+    </p:extLst>
+  </p:cSld>
+  <p:clrMapOvr>
+    <a:masterClrMapping/>
+  </p:clrMapOvr>
+</p:sld>
+</file>
+
+<file path=ppt/slides/slide14.xml><?xml version="1.0" encoding="utf-8"?>
+<p:sld xmlns:a="http://schemas.openxmlformats.org/drawingml/2006/main" xmlns:r="http://schemas.openxmlformats.org/officeDocument/2006/relationships" xmlns:p="http://schemas.openxmlformats.org/presentationml/2006/main">
+  <p:cSld>
+    <p:spTree>
+      <p:nvGrpSpPr>
+        <p:cNvPr id="1" name=""/>
+        <p:cNvGrpSpPr/>
+        <p:nvPr/>
+      </p:nvGrpSpPr>
+      <p:grpSpPr>
+        <a:xfrm>
+          <a:off x="0" y="0"/>
+          <a:ext cx="0" cy="0"/>
+          <a:chOff x="0" y="0"/>
+          <a:chExt cx="0" cy="0"/>
+        </a:xfrm>
+      </p:grpSpPr>
+      <p:sp>
+        <p:nvSpPr>
+          <p:cNvPr id="3" name="Content Placeholder 2">
+            <a:extLst>
+              <a:ext uri="{FF2B5EF4-FFF2-40B4-BE49-F238E27FC236}">
+                <a16:creationId xmlns:a16="http://schemas.microsoft.com/office/drawing/2014/main" id="{EFC745E1-1F34-41CD-9F92-09F36CA73FCA}"/>
+              </a:ext>
+            </a:extLst>
+          </p:cNvPr>
+          <p:cNvSpPr>
+            <a:spLocks noGrp="1"/>
+          </p:cNvSpPr>
+          <p:nvPr>
+            <p:ph idx="1"/>
+          </p:nvPr>
+        </p:nvSpPr>
+        <p:spPr>
+          <a:xfrm>
+            <a:off x="677334" y="266701"/>
+            <a:ext cx="8596668" cy="5774662"/>
+          </a:xfrm>
+        </p:spPr>
+        <p:txBody>
+          <a:bodyPr>
+            <a:normAutofit fontScale="25000" lnSpcReduction="20000"/>
+          </a:bodyPr>
+          <a:lstStyle/>
+          <a:p>
+            <a:pPr marL="0" indent="0">
+              <a:buNone/>
+            </a:pPr>
+            <a:r>
+              <a:rPr lang="en-IN" sz="6000" dirty="0"/>
+              <a:t>@</a:t>
+            </a:r>
+            <a:r>
+              <a:rPr lang="en-IN" sz="6000" dirty="0" err="1"/>
+              <a:t>CrossOrigin</a:t>
+            </a:r>
+            <a:r>
+              <a:rPr lang="en-IN" sz="6000" dirty="0"/>
+              <a:t>(origins = "*", </a:t>
+            </a:r>
+            <a:r>
+              <a:rPr lang="en-IN" sz="6000" dirty="0" err="1"/>
+              <a:t>allowedHeaders</a:t>
+            </a:r>
+            <a:r>
+              <a:rPr lang="en-IN" sz="6000" dirty="0"/>
+              <a:t> = "*")</a:t>
+            </a:r>
+          </a:p>
+          <a:p>
+            <a:pPr marL="0" indent="0">
+              <a:buNone/>
+            </a:pPr>
+            <a:r>
+              <a:rPr lang="en-IN" sz="6000" dirty="0"/>
+              <a:t>@</a:t>
+            </a:r>
+            <a:r>
+              <a:rPr lang="en-IN" sz="6000" dirty="0" err="1"/>
+              <a:t>RestController</a:t>
+            </a:r>
+            <a:endParaRPr lang="en-IN" sz="6000" dirty="0"/>
+          </a:p>
+          <a:p>
+            <a:pPr marL="0" indent="0">
+              <a:buNone/>
+            </a:pPr>
+            <a:r>
+              <a:rPr lang="en-IN" sz="6000" dirty="0"/>
+              <a:t>@</a:t>
+            </a:r>
+            <a:r>
+              <a:rPr lang="en-IN" sz="6000" dirty="0" err="1"/>
+              <a:t>RequestMapping</a:t>
+            </a:r>
+            <a:r>
+              <a:rPr lang="en-IN" sz="6000" dirty="0"/>
+              <a:t>(value = "/product")</a:t>
+            </a:r>
+          </a:p>
+          <a:p>
+            <a:pPr marL="0" indent="0">
+              <a:buNone/>
+            </a:pPr>
+            <a:r>
+              <a:rPr lang="en-IN" sz="6000" dirty="0"/>
+              <a:t>public class </a:t>
+            </a:r>
+            <a:r>
+              <a:rPr lang="en-IN" sz="6000" dirty="0" err="1"/>
+              <a:t>ProductController</a:t>
+            </a:r>
+            <a:r>
+              <a:rPr lang="en-IN" sz="6000" dirty="0"/>
+              <a:t> {</a:t>
+            </a:r>
+          </a:p>
+          <a:p>
+            <a:pPr marL="0" indent="0">
+              <a:buNone/>
+            </a:pPr>
+            <a:r>
+              <a:rPr lang="en-IN" sz="6000" dirty="0"/>
+              <a:t>	@</a:t>
+            </a:r>
+            <a:r>
+              <a:rPr lang="en-IN" sz="6000" dirty="0" err="1"/>
+              <a:t>Autowired</a:t>
+            </a:r>
+            <a:endParaRPr lang="en-IN" sz="6000" dirty="0"/>
+          </a:p>
+          <a:p>
+            <a:pPr marL="0" indent="0">
+              <a:buNone/>
+            </a:pPr>
+            <a:r>
+              <a:rPr lang="en-IN" sz="6000" dirty="0"/>
+              <a:t>	</a:t>
+            </a:r>
+            <a:r>
+              <a:rPr lang="en-IN" sz="6000" dirty="0" err="1"/>
+              <a:t>ProductService</a:t>
+            </a:r>
+            <a:r>
+              <a:rPr lang="en-IN" sz="6000" dirty="0"/>
+              <a:t> </a:t>
+            </a:r>
+            <a:r>
+              <a:rPr lang="en-IN" sz="6000" dirty="0" err="1"/>
+              <a:t>productService</a:t>
+            </a:r>
+            <a:r>
+              <a:rPr lang="en-IN" sz="6000" dirty="0"/>
+              <a:t>;</a:t>
+            </a:r>
+          </a:p>
+          <a:p>
+            <a:pPr marL="0" indent="0">
+              <a:buNone/>
+            </a:pPr>
+            <a:r>
+              <a:rPr lang="en-IN" sz="6000" dirty="0"/>
+              <a:t>	@</a:t>
+            </a:r>
+            <a:r>
+              <a:rPr lang="en-IN" sz="6000" dirty="0" err="1"/>
+              <a:t>RequestMapping</a:t>
+            </a:r>
+            <a:r>
+              <a:rPr lang="en-IN" sz="6000" dirty="0"/>
+              <a:t>(value = "/list", method = </a:t>
+            </a:r>
+            <a:r>
+              <a:rPr lang="en-IN" sz="6000" dirty="0" err="1"/>
+              <a:t>RequestMethod.GET</a:t>
+            </a:r>
+            <a:r>
+              <a:rPr lang="en-IN" sz="6000" dirty="0"/>
+              <a:t>)</a:t>
+            </a:r>
+          </a:p>
+          <a:p>
+            <a:pPr marL="0" indent="0">
+              <a:buNone/>
+            </a:pPr>
+            <a:r>
+              <a:rPr lang="en-IN" sz="6000" dirty="0"/>
+              <a:t>	public Object[] </a:t>
+            </a:r>
+            <a:r>
+              <a:rPr lang="en-IN" sz="6000" dirty="0" err="1"/>
+              <a:t>listAllProducts</a:t>
+            </a:r>
+            <a:r>
+              <a:rPr lang="en-IN" sz="6000" dirty="0"/>
+              <a:t>() {</a:t>
+            </a:r>
+          </a:p>
+          <a:p>
+            <a:pPr marL="0" indent="0">
+              <a:buNone/>
+            </a:pPr>
+            <a:r>
+              <a:rPr lang="en-IN" sz="6000" dirty="0"/>
+              <a:t>		Object[] products = </a:t>
+            </a:r>
+            <a:r>
+              <a:rPr lang="en-IN" sz="6000" dirty="0" err="1"/>
+              <a:t>productService.listAllProducts</a:t>
+            </a:r>
+            <a:r>
+              <a:rPr lang="en-IN" sz="6000" dirty="0"/>
+              <a:t>();</a:t>
+            </a:r>
+          </a:p>
+          <a:p>
+            <a:pPr marL="0" indent="0">
+              <a:buNone/>
+            </a:pPr>
+            <a:r>
+              <a:rPr lang="en-IN" sz="6000" dirty="0"/>
+              <a:t>		return products;</a:t>
+            </a:r>
+          </a:p>
+          <a:p>
+            <a:pPr marL="0" indent="0">
+              <a:buNone/>
+            </a:pPr>
+            <a:r>
+              <a:rPr lang="en-IN" sz="6000" dirty="0"/>
+              <a:t>	}</a:t>
+            </a:r>
+          </a:p>
+          <a:p>
+            <a:pPr marL="0" indent="0">
+              <a:buNone/>
+            </a:pPr>
+            <a:endParaRPr lang="en-IN" sz="6000" dirty="0"/>
+          </a:p>
+          <a:p>
+            <a:pPr marL="0" indent="0">
+              <a:buNone/>
+            </a:pPr>
+            <a:r>
+              <a:rPr lang="en-IN" sz="6000" dirty="0"/>
+              <a:t>	@</a:t>
+            </a:r>
+            <a:r>
+              <a:rPr lang="en-IN" sz="6000" dirty="0" err="1"/>
+              <a:t>RequestMapping</a:t>
+            </a:r>
+            <a:r>
+              <a:rPr lang="en-IN" sz="6000" dirty="0"/>
+              <a:t>(value = "/add", method = </a:t>
+            </a:r>
+            <a:r>
+              <a:rPr lang="en-IN" sz="6000" dirty="0" err="1"/>
+              <a:t>RequestMethod.POST</a:t>
+            </a:r>
+            <a:r>
+              <a:rPr lang="en-IN" sz="6000" dirty="0"/>
+              <a:t>)</a:t>
+            </a:r>
+          </a:p>
+          <a:p>
+            <a:pPr marL="0" indent="0">
+              <a:buNone/>
+            </a:pPr>
+            <a:r>
+              <a:rPr lang="en-IN" sz="6000" dirty="0"/>
+              <a:t>	public void </a:t>
+            </a:r>
+            <a:r>
+              <a:rPr lang="en-IN" sz="6000" dirty="0" err="1"/>
+              <a:t>addProduct</a:t>
+            </a:r>
+            <a:r>
+              <a:rPr lang="en-IN" sz="6000" dirty="0"/>
+              <a:t>(@</a:t>
+            </a:r>
+            <a:r>
+              <a:rPr lang="en-IN" sz="6000" dirty="0" err="1"/>
+              <a:t>RequestBody</a:t>
+            </a:r>
+            <a:r>
+              <a:rPr lang="en-IN" sz="6000" dirty="0"/>
+              <a:t> Product product) {</a:t>
+            </a:r>
+          </a:p>
+          <a:p>
+            <a:pPr marL="0" indent="0">
+              <a:buNone/>
+            </a:pPr>
+            <a:r>
+              <a:rPr lang="en-IN" sz="6000" dirty="0"/>
+              <a:t>		</a:t>
+            </a:r>
+            <a:r>
+              <a:rPr lang="en-IN" sz="6000" dirty="0" err="1"/>
+              <a:t>productService.addProduct</a:t>
+            </a:r>
+            <a:r>
+              <a:rPr lang="en-IN" sz="6000" dirty="0"/>
+              <a:t>(product);</a:t>
+            </a:r>
+          </a:p>
+          <a:p>
+            <a:pPr marL="0" indent="0">
+              <a:buNone/>
+            </a:pPr>
+            <a:r>
+              <a:rPr lang="en-IN" sz="6000" dirty="0"/>
+              <a:t>	}</a:t>
+            </a:r>
+          </a:p>
+        </p:txBody>
+      </p:sp>
+    </p:spTree>
+    <p:extLst>
+      <p:ext uri="{BB962C8B-B14F-4D97-AF65-F5344CB8AC3E}">
+        <p14:creationId xmlns:p14="http://schemas.microsoft.com/office/powerpoint/2010/main" val="3659205006"/>
+      </p:ext>
+    </p:extLst>
+  </p:cSld>
+  <p:clrMapOvr>
+    <a:masterClrMapping/>
+  </p:clrMapOvr>
+</p:sld>
+</file>
+
+<file path=ppt/slides/slide15.xml><?xml version="1.0" encoding="utf-8"?>
+<p:sld xmlns:a="http://schemas.openxmlformats.org/drawingml/2006/main" xmlns:r="http://schemas.openxmlformats.org/officeDocument/2006/relationships" xmlns:p="http://schemas.openxmlformats.org/presentationml/2006/main">
+  <p:cSld>
+    <p:spTree>
+      <p:nvGrpSpPr>
+        <p:cNvPr id="1" name=""/>
+        <p:cNvGrpSpPr/>
+        <p:nvPr/>
+      </p:nvGrpSpPr>
+      <p:grpSpPr>
+        <a:xfrm>
+          <a:off x="0" y="0"/>
+          <a:ext cx="0" cy="0"/>
+          <a:chOff x="0" y="0"/>
+          <a:chExt cx="0" cy="0"/>
+        </a:xfrm>
+      </p:grpSpPr>
+      <p:sp>
+        <p:nvSpPr>
+          <p:cNvPr id="3" name="Content Placeholder 2">
+            <a:extLst>
+              <a:ext uri="{FF2B5EF4-FFF2-40B4-BE49-F238E27FC236}">
+                <a16:creationId xmlns:a16="http://schemas.microsoft.com/office/drawing/2014/main" id="{EFC745E1-1F34-41CD-9F92-09F36CA73FCA}"/>
+              </a:ext>
+            </a:extLst>
+          </p:cNvPr>
+          <p:cNvSpPr>
+            <a:spLocks noGrp="1"/>
+          </p:cNvSpPr>
+          <p:nvPr>
+            <p:ph idx="1"/>
+          </p:nvPr>
+        </p:nvSpPr>
+        <p:spPr>
+          <a:xfrm>
+            <a:off x="677334" y="266701"/>
+            <a:ext cx="8596668" cy="5774662"/>
+          </a:xfrm>
+        </p:spPr>
+        <p:txBody>
+          <a:bodyPr>
+            <a:normAutofit/>
+          </a:bodyPr>
+          <a:lstStyle/>
+          <a:p>
+            <a:pPr marL="0" indent="0">
+              <a:buNone/>
+            </a:pPr>
+            <a:r>
+              <a:rPr lang="en-IN" sz="1500" dirty="0"/>
+              <a:t>	@</a:t>
+            </a:r>
+            <a:r>
+              <a:rPr lang="en-IN" sz="1500" dirty="0" err="1"/>
+              <a:t>RequestMapping</a:t>
+            </a:r>
+            <a:r>
+              <a:rPr lang="en-IN" sz="1500" dirty="0"/>
+              <a:t>(value = "/delete", method = </a:t>
+            </a:r>
+            <a:r>
+              <a:rPr lang="en-IN" sz="1500" dirty="0" err="1"/>
+              <a:t>RequestMethod.DELETE</a:t>
+            </a:r>
+            <a:r>
+              <a:rPr lang="en-IN" sz="1500" dirty="0"/>
+              <a:t>)</a:t>
+            </a:r>
+          </a:p>
+          <a:p>
+            <a:pPr marL="0" indent="0">
+              <a:buNone/>
+            </a:pPr>
+            <a:r>
+              <a:rPr lang="en-IN" sz="1500" dirty="0"/>
+              <a:t>	public void </a:t>
+            </a:r>
+            <a:r>
+              <a:rPr lang="en-IN" sz="1500" dirty="0" err="1"/>
+              <a:t>deleteProduct</a:t>
+            </a:r>
+            <a:r>
+              <a:rPr lang="en-IN" sz="1500" dirty="0"/>
+              <a:t>(@</a:t>
+            </a:r>
+            <a:r>
+              <a:rPr lang="en-IN" sz="1500" dirty="0" err="1"/>
+              <a:t>RequestParam</a:t>
+            </a:r>
+            <a:r>
+              <a:rPr lang="en-IN" sz="1500" dirty="0"/>
+              <a:t>(value = "code") String code) {</a:t>
+            </a:r>
+          </a:p>
+          <a:p>
+            <a:pPr marL="0" indent="0">
+              <a:buNone/>
+            </a:pPr>
+            <a:r>
+              <a:rPr lang="en-IN" sz="1500" dirty="0"/>
+              <a:t>		</a:t>
+            </a:r>
+            <a:r>
+              <a:rPr lang="en-IN" sz="1500" dirty="0" err="1"/>
+              <a:t>productService.deleteProduct</a:t>
+            </a:r>
+            <a:r>
+              <a:rPr lang="en-IN" sz="1500" dirty="0"/>
+              <a:t>(code);</a:t>
+            </a:r>
+          </a:p>
+          <a:p>
+            <a:pPr marL="0" indent="0">
+              <a:buNone/>
+            </a:pPr>
+            <a:r>
+              <a:rPr lang="en-IN" sz="1500" dirty="0"/>
+              <a:t>	}</a:t>
+            </a:r>
+          </a:p>
+          <a:p>
+            <a:pPr marL="0" indent="0">
+              <a:buNone/>
+            </a:pPr>
+            <a:endParaRPr lang="en-IN" sz="1500" dirty="0"/>
+          </a:p>
+          <a:p>
+            <a:pPr marL="0" indent="0">
+              <a:buNone/>
+            </a:pPr>
+            <a:r>
+              <a:rPr lang="en-IN" sz="1500" dirty="0"/>
+              <a:t>	@</a:t>
+            </a:r>
+            <a:r>
+              <a:rPr lang="en-IN" sz="1500" dirty="0" err="1"/>
+              <a:t>RequestMapping</a:t>
+            </a:r>
+            <a:r>
+              <a:rPr lang="en-IN" sz="1500" dirty="0"/>
+              <a:t>(value = "/update", method = </a:t>
+            </a:r>
+            <a:r>
+              <a:rPr lang="en-IN" sz="1500" dirty="0" err="1"/>
+              <a:t>RequestMethod.PUT</a:t>
+            </a:r>
+            <a:r>
+              <a:rPr lang="en-IN" sz="1500" dirty="0"/>
+              <a:t>)</a:t>
+            </a:r>
+          </a:p>
+          <a:p>
+            <a:pPr marL="0" indent="0">
+              <a:buNone/>
+            </a:pPr>
+            <a:r>
+              <a:rPr lang="en-IN" sz="1500" dirty="0"/>
+              <a:t>	public void </a:t>
+            </a:r>
+            <a:r>
+              <a:rPr lang="en-IN" sz="1500" dirty="0" err="1"/>
+              <a:t>updateProduct</a:t>
+            </a:r>
+            <a:r>
+              <a:rPr lang="en-IN" sz="1500" dirty="0"/>
+              <a:t>(@</a:t>
+            </a:r>
+            <a:r>
+              <a:rPr lang="en-IN" sz="1500" dirty="0" err="1"/>
+              <a:t>RequestParam</a:t>
+            </a:r>
+            <a:r>
+              <a:rPr lang="en-IN" sz="1500" dirty="0"/>
+              <a:t>(value = "code") String code, @</a:t>
+            </a:r>
+            <a:r>
+              <a:rPr lang="en-IN" sz="1500" dirty="0" err="1"/>
+              <a:t>RequestBody</a:t>
+            </a:r>
+            <a:r>
+              <a:rPr lang="en-IN" sz="1500" dirty="0"/>
+              <a:t> Product product) {</a:t>
+            </a:r>
+          </a:p>
+          <a:p>
+            <a:pPr marL="0" indent="0">
+              <a:buNone/>
+            </a:pPr>
+            <a:r>
+              <a:rPr lang="en-IN" sz="1500" dirty="0"/>
+              <a:t>		</a:t>
+            </a:r>
+            <a:r>
+              <a:rPr lang="en-IN" sz="1500" dirty="0" err="1"/>
+              <a:t>productService.updateProduct</a:t>
+            </a:r>
+            <a:r>
+              <a:rPr lang="en-IN" sz="1500" dirty="0"/>
+              <a:t>(code, product);</a:t>
+            </a:r>
+          </a:p>
+          <a:p>
+            <a:pPr marL="0" indent="0">
+              <a:buNone/>
+            </a:pPr>
+            <a:r>
+              <a:rPr lang="en-IN" sz="1500" dirty="0"/>
+              <a:t>	}</a:t>
+            </a:r>
+          </a:p>
+          <a:p>
+            <a:pPr marL="0" indent="0">
+              <a:buNone/>
+            </a:pPr>
+            <a:r>
+              <a:rPr lang="en-IN" sz="1500" dirty="0"/>
+              <a:t>}</a:t>
+            </a:r>
+          </a:p>
+        </p:txBody>
+      </p:sp>
+    </p:spTree>
+    <p:extLst>
+      <p:ext uri="{BB962C8B-B14F-4D97-AF65-F5344CB8AC3E}">
+        <p14:creationId xmlns:p14="http://schemas.microsoft.com/office/powerpoint/2010/main" val="3097006778"/>
+      </p:ext>
+    </p:extLst>
+  </p:cSld>
+  <p:clrMapOvr>
+    <a:masterClrMapping/>
+  </p:clrMapOvr>
+</p:sld>
+</file>
+
+<file path=ppt/slides/slide16.xml><?xml version="1.0" encoding="utf-8"?>
+<p:sld xmlns:a="http://schemas.openxmlformats.org/drawingml/2006/main" xmlns:r="http://schemas.openxmlformats.org/officeDocument/2006/relationships" xmlns:p="http://schemas.openxmlformats.org/presentationml/2006/main">
+  <p:cSld>
+    <p:spTree>
+      <p:nvGrpSpPr>
+        <p:cNvPr id="1" name=""/>
+        <p:cNvGrpSpPr/>
+        <p:nvPr/>
+      </p:nvGrpSpPr>
+      <p:grpSpPr>
+        <a:xfrm>
+          <a:off x="0" y="0"/>
+          <a:ext cx="0" cy="0"/>
+          <a:chOff x="0" y="0"/>
+          <a:chExt cx="0" cy="0"/>
+        </a:xfrm>
+      </p:grpSpPr>
+      <p:sp>
+        <p:nvSpPr>
+          <p:cNvPr id="3" name="Content Placeholder 2">
+            <a:extLst>
+              <a:ext uri="{FF2B5EF4-FFF2-40B4-BE49-F238E27FC236}">
+                <a16:creationId xmlns:a16="http://schemas.microsoft.com/office/drawing/2014/main" id="{EFC745E1-1F34-41CD-9F92-09F36CA73FCA}"/>
+              </a:ext>
+            </a:extLst>
+          </p:cNvPr>
+          <p:cNvSpPr>
+            <a:spLocks noGrp="1"/>
+          </p:cNvSpPr>
+          <p:nvPr>
+            <p:ph idx="1"/>
+          </p:nvPr>
+        </p:nvSpPr>
+        <p:spPr>
+          <a:xfrm>
+            <a:off x="677334" y="266701"/>
+            <a:ext cx="8596668" cy="5774662"/>
+          </a:xfrm>
+        </p:spPr>
+        <p:txBody>
+          <a:bodyPr>
+            <a:normAutofit fontScale="25000" lnSpcReduction="20000"/>
+          </a:bodyPr>
+          <a:lstStyle/>
+          <a:p>
+            <a:pPr marL="0" indent="0">
+              <a:buNone/>
+            </a:pPr>
+            <a:endParaRPr lang="en-IN" sz="1500" dirty="0"/>
+          </a:p>
+          <a:p>
+            <a:pPr marL="0" indent="0">
+              <a:buNone/>
+            </a:pPr>
+            <a:r>
+              <a:rPr lang="en-IN" sz="6400" dirty="0"/>
+              <a:t>@</a:t>
+            </a:r>
+            <a:r>
+              <a:rPr lang="en-IN" sz="6400" dirty="0" err="1"/>
+              <a:t>CrossOrigin</a:t>
+            </a:r>
+            <a:r>
+              <a:rPr lang="en-IN" sz="6400" dirty="0"/>
+              <a:t>(origins = "*", </a:t>
+            </a:r>
+            <a:r>
+              <a:rPr lang="en-IN" sz="6400" dirty="0" err="1"/>
+              <a:t>allowedHeaders</a:t>
+            </a:r>
+            <a:r>
+              <a:rPr lang="en-IN" sz="6400" dirty="0"/>
+              <a:t> = "*")</a:t>
+            </a:r>
+          </a:p>
+          <a:p>
+            <a:pPr marL="0" indent="0">
+              <a:buNone/>
+            </a:pPr>
+            <a:r>
+              <a:rPr lang="en-IN" sz="6400" dirty="0"/>
+              <a:t>@</a:t>
+            </a:r>
+            <a:r>
+              <a:rPr lang="en-IN" sz="6400" dirty="0" err="1"/>
+              <a:t>RestController</a:t>
+            </a:r>
+            <a:endParaRPr lang="en-IN" sz="6400" dirty="0"/>
+          </a:p>
+          <a:p>
+            <a:pPr marL="0" indent="0">
+              <a:buNone/>
+            </a:pPr>
+            <a:r>
+              <a:rPr lang="en-IN" sz="6400" dirty="0"/>
+              <a:t>@</a:t>
+            </a:r>
+            <a:r>
+              <a:rPr lang="en-IN" sz="6400" dirty="0" err="1"/>
+              <a:t>RequestMapping</a:t>
+            </a:r>
+            <a:r>
+              <a:rPr lang="en-IN" sz="6400" dirty="0"/>
+              <a:t>(value = "/user")</a:t>
+            </a:r>
+          </a:p>
+          <a:p>
+            <a:pPr marL="0" indent="0">
+              <a:buNone/>
+            </a:pPr>
+            <a:r>
+              <a:rPr lang="en-IN" sz="6400" dirty="0"/>
+              <a:t>public class </a:t>
+            </a:r>
+            <a:r>
+              <a:rPr lang="en-IN" sz="6400" dirty="0" err="1"/>
+              <a:t>UserController</a:t>
+            </a:r>
+            <a:r>
+              <a:rPr lang="en-IN" sz="6400" dirty="0"/>
+              <a:t> {</a:t>
+            </a:r>
+          </a:p>
+          <a:p>
+            <a:pPr marL="0" indent="0">
+              <a:buNone/>
+            </a:pPr>
+            <a:endParaRPr lang="en-IN" sz="6400" dirty="0"/>
+          </a:p>
+          <a:p>
+            <a:pPr marL="0" indent="0">
+              <a:buNone/>
+            </a:pPr>
+            <a:r>
+              <a:rPr lang="en-IN" sz="6400" dirty="0"/>
+              <a:t>	@</a:t>
+            </a:r>
+            <a:r>
+              <a:rPr lang="en-IN" sz="6400" dirty="0" err="1"/>
+              <a:t>Autowired</a:t>
+            </a:r>
+            <a:endParaRPr lang="en-IN" sz="6400" dirty="0"/>
+          </a:p>
+          <a:p>
+            <a:pPr marL="0" indent="0">
+              <a:buNone/>
+            </a:pPr>
+            <a:r>
+              <a:rPr lang="en-IN" sz="6400" dirty="0"/>
+              <a:t>	</a:t>
+            </a:r>
+            <a:r>
+              <a:rPr lang="en-IN" sz="6400" dirty="0" err="1"/>
+              <a:t>UserService</a:t>
+            </a:r>
+            <a:r>
+              <a:rPr lang="en-IN" sz="6400" dirty="0"/>
+              <a:t> </a:t>
+            </a:r>
+            <a:r>
+              <a:rPr lang="en-IN" sz="6400" dirty="0" err="1"/>
+              <a:t>userService</a:t>
+            </a:r>
+            <a:r>
+              <a:rPr lang="en-IN" sz="6400" dirty="0"/>
+              <a:t>;</a:t>
+            </a:r>
+          </a:p>
+          <a:p>
+            <a:pPr marL="0" indent="0">
+              <a:buNone/>
+            </a:pPr>
+            <a:endParaRPr lang="en-IN" sz="6400" dirty="0"/>
+          </a:p>
+          <a:p>
+            <a:pPr marL="0" indent="0">
+              <a:buNone/>
+            </a:pPr>
+            <a:r>
+              <a:rPr lang="en-IN" sz="6400" dirty="0"/>
+              <a:t>	@</a:t>
+            </a:r>
+            <a:r>
+              <a:rPr lang="en-IN" sz="6400" dirty="0" err="1"/>
+              <a:t>RequestMapping</a:t>
+            </a:r>
+            <a:r>
+              <a:rPr lang="en-IN" sz="6400" dirty="0"/>
+              <a:t>(value = "/</a:t>
+            </a:r>
+            <a:r>
+              <a:rPr lang="en-IN" sz="6400" dirty="0" err="1"/>
+              <a:t>registerCustomer</a:t>
+            </a:r>
+            <a:r>
+              <a:rPr lang="en-IN" sz="6400" dirty="0"/>
+              <a:t>", method = </a:t>
+            </a:r>
+            <a:r>
+              <a:rPr lang="en-IN" sz="6400" dirty="0" err="1"/>
+              <a:t>RequestMethod.POST</a:t>
+            </a:r>
+            <a:r>
+              <a:rPr lang="en-IN" sz="6400" dirty="0"/>
+              <a:t>)</a:t>
+            </a:r>
+          </a:p>
+          <a:p>
+            <a:pPr marL="0" indent="0">
+              <a:buNone/>
+            </a:pPr>
+            <a:r>
+              <a:rPr lang="en-IN" sz="6400" dirty="0"/>
+              <a:t>	public String </a:t>
+            </a:r>
+            <a:r>
+              <a:rPr lang="en-IN" sz="6400" dirty="0" err="1"/>
+              <a:t>registerCustomer</a:t>
+            </a:r>
+            <a:r>
+              <a:rPr lang="en-IN" sz="6400" dirty="0"/>
+              <a:t>(@</a:t>
+            </a:r>
+            <a:r>
+              <a:rPr lang="en-IN" sz="6400" dirty="0" err="1"/>
+              <a:t>RequestBody</a:t>
+            </a:r>
+            <a:r>
+              <a:rPr lang="en-IN" sz="6400" dirty="0"/>
+              <a:t> Customer customer) {</a:t>
+            </a:r>
+          </a:p>
+          <a:p>
+            <a:pPr marL="0" indent="0">
+              <a:buNone/>
+            </a:pPr>
+            <a:r>
+              <a:rPr lang="en-IN" sz="6400" dirty="0"/>
+              <a:t>		return </a:t>
+            </a:r>
+            <a:r>
+              <a:rPr lang="en-IN" sz="6400" dirty="0" err="1"/>
+              <a:t>userService.registerCustomer</a:t>
+            </a:r>
+            <a:r>
+              <a:rPr lang="en-IN" sz="6400" dirty="0"/>
+              <a:t>(customer);</a:t>
+            </a:r>
+          </a:p>
+          <a:p>
+            <a:pPr marL="0" indent="0">
+              <a:buNone/>
+            </a:pPr>
+            <a:r>
+              <a:rPr lang="en-IN" sz="6400" dirty="0"/>
+              <a:t>	}</a:t>
+            </a:r>
+          </a:p>
+          <a:p>
+            <a:pPr marL="0" indent="0">
+              <a:buNone/>
+            </a:pPr>
+            <a:endParaRPr lang="en-IN" sz="6400" dirty="0"/>
+          </a:p>
+          <a:p>
+            <a:pPr marL="0" indent="0">
+              <a:buNone/>
+            </a:pPr>
+            <a:r>
+              <a:rPr lang="en-IN" sz="6400" dirty="0"/>
+              <a:t>	@</a:t>
+            </a:r>
+            <a:r>
+              <a:rPr lang="en-IN" sz="6400" dirty="0" err="1"/>
+              <a:t>RequestMapping</a:t>
+            </a:r>
+            <a:r>
+              <a:rPr lang="en-IN" sz="6400" dirty="0"/>
+              <a:t>(value = "/</a:t>
+            </a:r>
+            <a:r>
+              <a:rPr lang="en-IN" sz="6400" dirty="0" err="1"/>
+              <a:t>loginCustomer</a:t>
+            </a:r>
+            <a:r>
+              <a:rPr lang="en-IN" sz="6400" dirty="0"/>
+              <a:t>", method = </a:t>
+            </a:r>
+            <a:r>
+              <a:rPr lang="en-IN" sz="6400" dirty="0" err="1"/>
+              <a:t>RequestMethod.POST</a:t>
+            </a:r>
+            <a:r>
+              <a:rPr lang="en-IN" sz="6400" dirty="0"/>
+              <a:t>)</a:t>
+            </a:r>
+          </a:p>
+          <a:p>
+            <a:pPr marL="0" indent="0">
+              <a:buNone/>
+            </a:pPr>
+            <a:r>
+              <a:rPr lang="en-IN" sz="6400" dirty="0"/>
+              <a:t>	public </a:t>
+            </a:r>
+            <a:r>
+              <a:rPr lang="en-IN" sz="6400" dirty="0" err="1"/>
+              <a:t>ResponseEntity</a:t>
+            </a:r>
+            <a:r>
+              <a:rPr lang="en-IN" sz="6400" dirty="0"/>
+              <a:t>&lt;Object[]&gt; </a:t>
+            </a:r>
+            <a:r>
+              <a:rPr lang="en-IN" sz="6400" dirty="0" err="1"/>
+              <a:t>loginCustomer</a:t>
+            </a:r>
+            <a:r>
+              <a:rPr lang="en-IN" sz="6400" dirty="0"/>
+              <a:t>(@</a:t>
+            </a:r>
+            <a:r>
+              <a:rPr lang="en-IN" sz="6400" dirty="0" err="1"/>
+              <a:t>RequestBody</a:t>
+            </a:r>
+            <a:r>
+              <a:rPr lang="en-IN" sz="6400" dirty="0"/>
+              <a:t> Customer customer) {</a:t>
+            </a:r>
+          </a:p>
+          <a:p>
+            <a:pPr marL="0" indent="0">
+              <a:buNone/>
+            </a:pPr>
+            <a:r>
+              <a:rPr lang="en-IN" sz="6400" dirty="0"/>
+              <a:t>		return </a:t>
+            </a:r>
+            <a:r>
+              <a:rPr lang="en-IN" sz="6400" dirty="0" err="1"/>
+              <a:t>userService.loginCustomer</a:t>
+            </a:r>
+            <a:r>
+              <a:rPr lang="en-IN" sz="6400" dirty="0"/>
+              <a:t>(customer);</a:t>
+            </a:r>
+          </a:p>
+          <a:p>
+            <a:pPr marL="0" indent="0">
+              <a:buNone/>
+            </a:pPr>
+            <a:r>
+              <a:rPr lang="en-IN" sz="6400" dirty="0"/>
+              <a:t>	}</a:t>
+            </a:r>
+          </a:p>
+        </p:txBody>
+      </p:sp>
+    </p:spTree>
+    <p:extLst>
+      <p:ext uri="{BB962C8B-B14F-4D97-AF65-F5344CB8AC3E}">
+        <p14:creationId xmlns:p14="http://schemas.microsoft.com/office/powerpoint/2010/main" val="4044807678"/>
+      </p:ext>
+    </p:extLst>
+  </p:cSld>
+  <p:clrMapOvr>
+    <a:masterClrMapping/>
+  </p:clrMapOvr>
+</p:sld>
+</file>
+
+<file path=ppt/slides/slide17.xml><?xml version="1.0" encoding="utf-8"?>
+<p:sld xmlns:a="http://schemas.openxmlformats.org/drawingml/2006/main" xmlns:r="http://schemas.openxmlformats.org/officeDocument/2006/relationships" xmlns:p="http://schemas.openxmlformats.org/presentationml/2006/main">
+  <p:cSld>
+    <p:spTree>
+      <p:nvGrpSpPr>
+        <p:cNvPr id="1" name=""/>
+        <p:cNvGrpSpPr/>
+        <p:nvPr/>
+      </p:nvGrpSpPr>
+      <p:grpSpPr>
+        <a:xfrm>
+          <a:off x="0" y="0"/>
+          <a:ext cx="0" cy="0"/>
+          <a:chOff x="0" y="0"/>
+          <a:chExt cx="0" cy="0"/>
+        </a:xfrm>
+      </p:grpSpPr>
+      <p:sp>
+        <p:nvSpPr>
+          <p:cNvPr id="3" name="Content Placeholder 2">
+            <a:extLst>
+              <a:ext uri="{FF2B5EF4-FFF2-40B4-BE49-F238E27FC236}">
+                <a16:creationId xmlns:a16="http://schemas.microsoft.com/office/drawing/2014/main" id="{EFC745E1-1F34-41CD-9F92-09F36CA73FCA}"/>
+              </a:ext>
+            </a:extLst>
+          </p:cNvPr>
+          <p:cNvSpPr>
+            <a:spLocks noGrp="1"/>
+          </p:cNvSpPr>
+          <p:nvPr>
+            <p:ph idx="1"/>
+          </p:nvPr>
+        </p:nvSpPr>
+        <p:spPr>
+          <a:xfrm>
+            <a:off x="677334" y="266701"/>
+            <a:ext cx="8596668" cy="5774662"/>
+          </a:xfrm>
+        </p:spPr>
+        <p:txBody>
+          <a:bodyPr>
+            <a:normAutofit/>
+          </a:bodyPr>
+          <a:lstStyle/>
+          <a:p>
+            <a:pPr marL="0" indent="0">
+              <a:buNone/>
+            </a:pPr>
+            <a:endParaRPr lang="en-IN" sz="1600" dirty="0"/>
+          </a:p>
+          <a:p>
+            <a:pPr marL="0" indent="0">
+              <a:buNone/>
+            </a:pPr>
+            <a:r>
+              <a:rPr lang="en-IN" sz="1600" dirty="0"/>
+              <a:t>	@</a:t>
+            </a:r>
+            <a:r>
+              <a:rPr lang="en-IN" sz="1600" dirty="0" err="1"/>
+              <a:t>RequestMapping</a:t>
+            </a:r>
+            <a:r>
+              <a:rPr lang="en-IN" sz="1600" dirty="0"/>
+              <a:t>(value = "/</a:t>
+            </a:r>
+            <a:r>
+              <a:rPr lang="en-IN" sz="1600" dirty="0" err="1"/>
+              <a:t>confirmEmail</a:t>
+            </a:r>
+            <a:r>
+              <a:rPr lang="en-IN" sz="1600" dirty="0"/>
+              <a:t>/{</a:t>
+            </a:r>
+            <a:r>
+              <a:rPr lang="en-IN" sz="1600" dirty="0" err="1"/>
+              <a:t>customerid</a:t>
+            </a:r>
+            <a:r>
+              <a:rPr lang="en-IN" sz="1600" dirty="0"/>
+              <a:t>}", method = </a:t>
+            </a:r>
+            <a:r>
+              <a:rPr lang="en-IN" sz="1600" dirty="0" err="1"/>
+              <a:t>RequestMethod.GET</a:t>
+            </a:r>
+            <a:r>
+              <a:rPr lang="en-IN" sz="1600" dirty="0"/>
+              <a:t>)</a:t>
+            </a:r>
+          </a:p>
+          <a:p>
+            <a:pPr marL="0" indent="0">
+              <a:buNone/>
+            </a:pPr>
+            <a:r>
+              <a:rPr lang="en-IN" sz="1600" dirty="0"/>
+              <a:t>	public String </a:t>
+            </a:r>
+            <a:r>
+              <a:rPr lang="en-IN" sz="1600" dirty="0" err="1"/>
+              <a:t>confirmEmail</a:t>
+            </a:r>
+            <a:r>
+              <a:rPr lang="en-IN" sz="1600" dirty="0"/>
+              <a:t>(@</a:t>
+            </a:r>
+            <a:r>
+              <a:rPr lang="en-IN" sz="1600" dirty="0" err="1"/>
+              <a:t>PathVariable</a:t>
+            </a:r>
+            <a:r>
+              <a:rPr lang="en-IN" sz="1600" dirty="0"/>
+              <a:t> int </a:t>
+            </a:r>
+            <a:r>
+              <a:rPr lang="en-IN" sz="1600" dirty="0" err="1"/>
+              <a:t>customerid</a:t>
+            </a:r>
+            <a:r>
+              <a:rPr lang="en-IN" sz="1600" dirty="0"/>
+              <a:t>) {</a:t>
+            </a:r>
+          </a:p>
+          <a:p>
+            <a:pPr marL="0" indent="0">
+              <a:buNone/>
+            </a:pPr>
+            <a:r>
+              <a:rPr lang="en-IN" sz="1600" dirty="0"/>
+              <a:t>		return </a:t>
+            </a:r>
+            <a:r>
+              <a:rPr lang="en-IN" sz="1600" dirty="0" err="1"/>
+              <a:t>userService.confirmEmail</a:t>
+            </a:r>
+            <a:r>
+              <a:rPr lang="en-IN" sz="1600" dirty="0"/>
+              <a:t>(</a:t>
+            </a:r>
+            <a:r>
+              <a:rPr lang="en-IN" sz="1600" dirty="0" err="1"/>
+              <a:t>customerid</a:t>
+            </a:r>
+            <a:r>
+              <a:rPr lang="en-IN" sz="1600" dirty="0"/>
+              <a:t>);</a:t>
+            </a:r>
+          </a:p>
+          <a:p>
+            <a:pPr marL="0" indent="0">
+              <a:buNone/>
+            </a:pPr>
+            <a:r>
+              <a:rPr lang="en-IN" sz="1600" dirty="0"/>
+              <a:t>	}</a:t>
+            </a:r>
+          </a:p>
+          <a:p>
+            <a:pPr marL="0" indent="0">
+              <a:buNone/>
+            </a:pPr>
+            <a:endParaRPr lang="en-IN" sz="1600" dirty="0"/>
+          </a:p>
+          <a:p>
+            <a:pPr marL="0" indent="0">
+              <a:buNone/>
+            </a:pPr>
+            <a:r>
+              <a:rPr lang="en-IN" sz="1600" dirty="0"/>
+              <a:t>	@</a:t>
+            </a:r>
+            <a:r>
+              <a:rPr lang="en-IN" sz="1600" dirty="0" err="1"/>
+              <a:t>RequestMapping</a:t>
+            </a:r>
+            <a:r>
+              <a:rPr lang="en-IN" sz="1600" dirty="0"/>
+              <a:t>(value = "/</a:t>
+            </a:r>
+            <a:r>
+              <a:rPr lang="en-IN" sz="1600" dirty="0" err="1"/>
+              <a:t>getCustomer</a:t>
+            </a:r>
+            <a:r>
+              <a:rPr lang="en-IN" sz="1600" dirty="0"/>
+              <a:t>/{</a:t>
+            </a:r>
+            <a:r>
+              <a:rPr lang="en-IN" sz="1600" dirty="0" err="1"/>
+              <a:t>customerid</a:t>
+            </a:r>
+            <a:r>
+              <a:rPr lang="en-IN" sz="1600" dirty="0"/>
+              <a:t>}", method = </a:t>
+            </a:r>
+            <a:r>
+              <a:rPr lang="en-IN" sz="1600" dirty="0" err="1"/>
+              <a:t>RequestMethod.GET</a:t>
+            </a:r>
+            <a:r>
+              <a:rPr lang="en-IN" sz="1600" dirty="0"/>
+              <a:t>)</a:t>
+            </a:r>
+          </a:p>
+          <a:p>
+            <a:pPr marL="0" indent="0">
+              <a:buNone/>
+            </a:pPr>
+            <a:r>
+              <a:rPr lang="en-IN" sz="1600" dirty="0"/>
+              <a:t>	public </a:t>
+            </a:r>
+            <a:r>
+              <a:rPr lang="en-IN" sz="1600" dirty="0" err="1"/>
+              <a:t>ResponseEntity</a:t>
+            </a:r>
+            <a:r>
+              <a:rPr lang="en-IN" sz="1600" dirty="0"/>
+              <a:t>&lt;Object[]&gt; </a:t>
+            </a:r>
+            <a:r>
+              <a:rPr lang="en-IN" sz="1600" dirty="0" err="1"/>
+              <a:t>getCustomer</a:t>
+            </a:r>
+            <a:r>
+              <a:rPr lang="en-IN" sz="1600" dirty="0"/>
+              <a:t>(@</a:t>
+            </a:r>
+            <a:r>
+              <a:rPr lang="en-IN" sz="1600" dirty="0" err="1"/>
+              <a:t>PathVariable</a:t>
+            </a:r>
+            <a:r>
+              <a:rPr lang="en-IN" sz="1600" dirty="0"/>
+              <a:t> int </a:t>
+            </a:r>
+            <a:r>
+              <a:rPr lang="en-IN" sz="1600" dirty="0" err="1"/>
+              <a:t>customerid</a:t>
+            </a:r>
+            <a:r>
+              <a:rPr lang="en-IN" sz="1600" dirty="0"/>
+              <a:t>) {</a:t>
+            </a:r>
+          </a:p>
+          <a:p>
+            <a:pPr marL="0" indent="0">
+              <a:buNone/>
+            </a:pPr>
+            <a:r>
+              <a:rPr lang="en-IN" sz="1600" dirty="0"/>
+              <a:t>		return </a:t>
+            </a:r>
+            <a:r>
+              <a:rPr lang="en-IN" sz="1600" dirty="0" err="1"/>
+              <a:t>userService.getCustomer</a:t>
+            </a:r>
+            <a:r>
+              <a:rPr lang="en-IN" sz="1600" dirty="0"/>
+              <a:t>(</a:t>
+            </a:r>
+            <a:r>
+              <a:rPr lang="en-IN" sz="1600" dirty="0" err="1"/>
+              <a:t>customerid</a:t>
+            </a:r>
+            <a:r>
+              <a:rPr lang="en-IN" sz="1600" dirty="0"/>
+              <a:t>);</a:t>
+            </a:r>
+          </a:p>
+          <a:p>
+            <a:pPr marL="0" indent="0">
+              <a:buNone/>
+            </a:pPr>
+            <a:r>
+              <a:rPr lang="en-IN" sz="1600" dirty="0"/>
+              <a:t>	}</a:t>
+            </a:r>
+          </a:p>
+          <a:p>
+            <a:pPr marL="0" indent="0">
+              <a:buNone/>
+            </a:pPr>
+            <a:endParaRPr lang="en-IN" sz="1600" dirty="0"/>
+          </a:p>
+          <a:p>
+            <a:pPr marL="0" indent="0">
+              <a:buNone/>
+            </a:pPr>
+            <a:r>
+              <a:rPr lang="en-IN" sz="1600" dirty="0"/>
+              <a:t>}</a:t>
+            </a:r>
+          </a:p>
+        </p:txBody>
+      </p:sp>
+    </p:spTree>
+    <p:extLst>
+      <p:ext uri="{BB962C8B-B14F-4D97-AF65-F5344CB8AC3E}">
+        <p14:creationId xmlns:p14="http://schemas.microsoft.com/office/powerpoint/2010/main" val="3909777355"/>
+      </p:ext>
+    </p:extLst>
+  </p:cSld>
+  <p:clrMapOvr>
+    <a:masterClrMapping/>
+  </p:clrMapOvr>
+</p:sld>
+</file>
+
+<file path=ppt/slides/slide18.xml><?xml version="1.0" encoding="utf-8"?>
 <p:sld xmlns:a="http://schemas.openxmlformats.org/drawingml/2006/main" xmlns:r="http://schemas.openxmlformats.org/officeDocument/2006/relationships" xmlns:p="http://schemas.openxmlformats.org/presentationml/2006/main">
   <p:cSld>
     <p:spTree>
